--- a/software/Ch_0_main.pptx
+++ b/software/Ch_0_main.pptx
@@ -6,13 +6,18 @@
   </p:sldMasterIdLst>
   <p:sldIdLst>
     <p:sldId id="256" r:id="rId2"/>
-    <p:sldId id="295" r:id="rId3"/>
-    <p:sldId id="310" r:id="rId4"/>
-    <p:sldId id="312" r:id="rId5"/>
-    <p:sldId id="311" r:id="rId6"/>
+    <p:sldId id="311" r:id="rId3"/>
+    <p:sldId id="312" r:id="rId4"/>
+    <p:sldId id="320" r:id="rId5"/>
+    <p:sldId id="295" r:id="rId6"/>
     <p:sldId id="303" r:id="rId7"/>
     <p:sldId id="305" r:id="rId8"/>
-    <p:sldId id="307" r:id="rId9"/>
+    <p:sldId id="313" r:id="rId9"/>
+    <p:sldId id="315" r:id="rId10"/>
+    <p:sldId id="316" r:id="rId11"/>
+    <p:sldId id="317" r:id="rId12"/>
+    <p:sldId id="319" r:id="rId13"/>
+    <p:sldId id="307" r:id="rId14"/>
   </p:sldIdLst>
   <p:sldSz cx="12192000" cy="6858000"/>
   <p:notesSz cx="7099300" cy="10234613"/>
@@ -119,6 +124,55 @@
 </p:presentation>
 </file>
 
+<file path=ppt/ink/ink1.xml><?xml version="1.0" encoding="utf-8"?>
+<inkml:ink xmlns:inkml="http://www.w3.org/2003/InkML">
+  <inkml:definitions>
+    <inkml:context xml:id="ctx0">
+      <inkml:inkSource xml:id="inkSrc0">
+        <inkml:traceFormat>
+          <inkml:channel name="X" type="integer" min="-2.14748E9" max="2.14748E9" units="cm"/>
+          <inkml:channel name="Y" type="integer" min="-2.14748E9" max="2.14748E9" units="cm"/>
+        </inkml:traceFormat>
+        <inkml:channelProperties>
+          <inkml:channelProperty channel="X" name="resolution" value="1000" units="1/cm"/>
+          <inkml:channelProperty channel="Y" name="resolution" value="1000" units="1/cm"/>
+        </inkml:channelProperties>
+      </inkml:inkSource>
+      <inkml:timestamp xml:id="ts0" timeString="2020-03-05T02:15:09.504"/>
+    </inkml:context>
+    <inkml:brush xml:id="br0">
+      <inkml:brushProperty name="width" value="0.35" units="cm"/>
+      <inkml:brushProperty name="height" value="0.35" units="cm"/>
+      <inkml:brushProperty name="color" value="#E71224"/>
+      <inkml:brushProperty name="ignorePressure" value="1"/>
+    </inkml:brush>
+    <inkml:brush xml:id="br1">
+      <inkml:brushProperty name="width" value="0.2" units="cm"/>
+      <inkml:brushProperty name="height" value="0.2" units="cm"/>
+      <inkml:brushProperty name="color" value="#E71224"/>
+      <inkml:brushProperty name="ignorePressure" value="1"/>
+    </inkml:brush>
+  </inkml:definitions>
+  <inkml:trace contextRef="#ctx0" brushRef="#br0">3350 4275,'205'20,"538"-24,3532-14,-2884 20,-524-28,2517-80,1018 107,-4269 3,-88 2</inkml:trace>
+  <inkml:trace contextRef="#ctx0" brushRef="#br0" timeOffset="2703.124">19716 2809,'75'-3,"-1"-3,1-3,-2-3,42-14,474-133,-542 149,0 2,1 2,0 3,0 1,0 3,9 2,41-1,560 0,-575 5,-1 3,0 3,-1 5,-1 2,47 21,121 40,134 21,-299-84,-1 4,0 3,-2 4,-1 3,-1 3,37 26,180 119,-246-159,0 3,-2 2,0 2,-2 2,-2 2,39 36,41 38,-90-81,-1 1,-1 2,-1 1,-2 1,-1 1,-1 2,21 35,130 307,-167-337,-1 2,-1-1,-3 1,-1 0,-2 0,-2 0,-4 35,3-3,0-50,-1-1,-1 0,-1 0,0 0,-2-1,0 0,-1 0,-2 0,0-1,0 0,-2 0,-12 15,-193 342,126-293,-42 10,-107 75,-160 34,44-58,-27-10,28-14,-564 116,542-168,233-45,-60 13,-1-9,0-9,-137-8,127 14,-108 21,266-39</inkml:trace>
+  <inkml:trace contextRef="#ctx0" brushRef="#br0" timeOffset="4296.874">19139 2572,'56'113,"-12"4,-5 2,-5 2,-6 1,-5 2,-1 45,51 327,-12-173,-43-217,-6 1,-4 1,-4 68,-6 772,-24-637,-1-102,16-109,11-98,0 0,0 0,-1 1,1-1,-1 0,1 0,-1 0,0 0,0 0,0 0,0 0,0 0,0 0,-1-1,1 1,-1 0,1-1,-1 1,0-1,1 1,-1-1,0 0,0 0,0 0,0 0,0 0,0 0,0 0,0-1,0 1,-1-1,1 0,0 1,0-1,-1 0,1 0,0-1,0 1,0 0,0-1,-2 0,-16-8</inkml:trace>
+  <inkml:trace contextRef="#ctx0" brushRef="#br1" timeOffset="79738.366">16705 4066,'-2'-7,"0"0,-1 0,1 1,-2-1,1 1,0 0,-1 0,0 0,-1 1,1-1,-1 1,0 0,-1 0,-5-3,-2-5,-413-390,-100-157,442 482,-50-46,6-5,-46-66,79 79,-6 4,-35-25,-14-18,8-7,-103-153,124 155,-74-76,43 43,-8 18,46 50,-58-113,39 48,81 123,42 53</inkml:trace>
+  <inkml:trace contextRef="#ctx0" brushRef="#br1" timeOffset="83566.491">14897 4249,'21'101,"-22"-37,-4 0,-1 0,-4 0,-15 49,-14 104,22-67,-53 312,65-441,-47 203,-17 175,27-66,-39 117,5-24,25-226,39-139,-3 0,-3-2,-2 0,-3-1,-4 2,-86 166,51-18,46-161,1 0,3 0,1 1,3 1,-2 39,-13 55,21-123</inkml:trace>
+  <inkml:trace contextRef="#ctx0" brushRef="#br1" timeOffset="85425.841">11546 4066,'-35'-62,"-281"-448,54 73,79 129,61 116,8-5,-77-187,-60-68,97 194,46 68,-59-113,41 84,38 84,61 84,16 40</inkml:trace>
+  <inkml:trace contextRef="#ctx0" brushRef="#br1" timeOffset="87628.991">10551 4328,'-42'160,"-78"87,80-176,-78 206,3-11,-41 110,-76 205,112-238,36-151,-126 240,42-96,-18-28,56-28,74-141,-8-4,-2 71,0-61,58-129</inkml:trace>
+  <inkml:trace contextRef="#ctx0" brushRef="#br1" timeOffset="89503.953">7670 4171,'-43'-103,"27"75,-117-190,-129-218,17-17,31 85,-53-98,122 232,19 29,-56-107,106 170,52 101,1-1,2-1,2-1,-9-33,-64-127,30 81,-20-42,76 147</inkml:trace>
+  <inkml:trace contextRef="#ctx0" brushRef="#br1" timeOffset="91582.117">5288 4197,'-37'96,"18"-54,-3-1,0-1,-3-1,-1-1,-2-2,-30 31,9-8,-295 344,56-89,-52 72,117-146,64-64,-9-7,-65 45,-108 109,209-209,-36 21,-5-3,-48 41,151-76,48-53,12-23</inkml:trace>
+  <inkml:trace contextRef="#ctx0" brushRef="#br1" timeOffset="96852.259">679 2652,'85'45,"249"193,-126-75,-88-42,-87-92,2-2,0-1,2-2,1-2,34 15,87 55,-76-30,-4 4,-3 4,7 12,-21-21,153 126,-98-81,-114-103,-1-1,1 1,-1 0,0-1,1 1,-1 0,-1 1,1-1,0 0,-1 0,0 1,0-1,0 1,0-1,0 1,-1 0,1-1,-1 1,0 0,0-1,0 1,-1-1,1 1,-1 0,0-1,0 1,0-1,-1 0,1 1,-1-1,0 0,0 0,0 0,0 0,0 0,-1 0,1-1,-3 2,-2 2,0-1,0 0,0-1,-1 0,0 0,0 0,0-1,0-1,0 1,-1-1,1 0,-1-1,0 0,-6-1,-59 15,-114 51,-77 56,111-46,74-34,-2-4,-1-3,-1-4,-11 0,-201 66,108-32,-64 14,60-25,151-42,2 2,0 1,1 2,0 2,1 1,-6 7,14-9,-36 24,45-30</inkml:trace>
+  <inkml:trace contextRef="#ctx0" brushRef="#br1" timeOffset="98133.439">443 2783,'7'2,"-1"0,0 1,0 0,0 0,0 0,0 1,0 0,-1 0,0 0,0 1,0-1,0 1,-1 1,0-1,0 1,0-1,0 1,-1 0,0 0,-1 1,1-1,-1 1,1 5,2 1,66 246,-57-165,-4 1,-4 1,-5-1,-5 32,1 26,-22 196,-4-21,3-74,1-33,-7-174,17-41</inkml:trace>
+  <inkml:trace contextRef="#ctx0" brushRef="#br1" timeOffset="99102.259">653 3751,'598'0,"-293"38,-188-18,723 81,-791-95,-16 0</inkml:trace>
+  <inkml:trace contextRef="#ctx0" brushRef="#br1" timeOffset="100024.118">836 4144,'894'-1,"-748"-11,-101 7,1 1,-1 2,1 2,0 2,-1 2,4 2,-35-1,-13-1</inkml:trace>
+  <inkml:trace contextRef="#ctx0" brushRef="#br1" timeOffset="100774.091">1019 4537,'9'-4,"21"-7,23 0,16-4,13-3,3 1,-9 3,-13 5,-13 3,-15 3</inkml:trace>
+  <inkml:trace contextRef="#ctx0" brushRef="#br1" timeOffset="101821.01">888 3280,'5'4,"5"2,2 4,3 1,3-2,3-3,16-2,15-1,3 2,-3 1,-11 4,-7 1,-6-3,-3-1,-1-3,5-2,1-1,-5-1</inkml:trace>
+  <inkml:trace contextRef="#ctx0" brushRef="#br1" timeOffset="103617.885">653 4458,'5'0,"5"0,6 0,4 0,4 0,2 0,1 0,0 0,1-5,-1 0,0-1,-1 1,-4 2</inkml:trace>
+  <inkml:trace contextRef="#ctx0" brushRef="#br1" timeOffset="107774.135">5602 530,'-36'-80,"6"28,-93-251,91 224,25 63</inkml:trace>
+</inkml:ink>
+</file>
+
 <file path=ppt/slideLayouts/slideLayout1.xml><?xml version="1.0" encoding="utf-8"?>
 <p:sldLayout xmlns:a="http://schemas.openxmlformats.org/drawingml/2006/main" xmlns:r="http://schemas.openxmlformats.org/officeDocument/2006/relationships" xmlns:p="http://schemas.openxmlformats.org/presentationml/2006/main" type="title" preserve="1">
   <p:cSld name="标题幻灯片">
@@ -248,7 +302,7 @@
           <a:p>
             <a:fld id="{955C5F15-080E-45FC-8F31-69BA88FD0242}" type="datetimeFigureOut">
               <a:rPr lang="zh-CN" altLang="en-US" smtClean="0"/>
-              <a:t>2020/3/4</a:t>
+              <a:t>2020/3/5</a:t>
             </a:fld>
             <a:endParaRPr lang="zh-CN" altLang="en-US"/>
           </a:p>
@@ -416,7 +470,7 @@
           <a:p>
             <a:fld id="{955C5F15-080E-45FC-8F31-69BA88FD0242}" type="datetimeFigureOut">
               <a:rPr lang="zh-CN" altLang="en-US" smtClean="0"/>
-              <a:t>2020/3/4</a:t>
+              <a:t>2020/3/5</a:t>
             </a:fld>
             <a:endParaRPr lang="zh-CN" altLang="en-US"/>
           </a:p>
@@ -594,7 +648,7 @@
           <a:p>
             <a:fld id="{955C5F15-080E-45FC-8F31-69BA88FD0242}" type="datetimeFigureOut">
               <a:rPr lang="zh-CN" altLang="en-US" smtClean="0"/>
-              <a:t>2020/3/4</a:t>
+              <a:t>2020/3/5</a:t>
             </a:fld>
             <a:endParaRPr lang="zh-CN" altLang="en-US"/>
           </a:p>
@@ -762,7 +816,7 @@
           <a:p>
             <a:fld id="{955C5F15-080E-45FC-8F31-69BA88FD0242}" type="datetimeFigureOut">
               <a:rPr lang="zh-CN" altLang="en-US" smtClean="0"/>
-              <a:t>2020/3/4</a:t>
+              <a:t>2020/3/5</a:t>
             </a:fld>
             <a:endParaRPr lang="zh-CN" altLang="en-US"/>
           </a:p>
@@ -1007,7 +1061,7 @@
           <a:p>
             <a:fld id="{955C5F15-080E-45FC-8F31-69BA88FD0242}" type="datetimeFigureOut">
               <a:rPr lang="zh-CN" altLang="en-US" smtClean="0"/>
-              <a:t>2020/3/4</a:t>
+              <a:t>2020/3/5</a:t>
             </a:fld>
             <a:endParaRPr lang="zh-CN" altLang="en-US"/>
           </a:p>
@@ -1236,7 +1290,7 @@
           <a:p>
             <a:fld id="{955C5F15-080E-45FC-8F31-69BA88FD0242}" type="datetimeFigureOut">
               <a:rPr lang="zh-CN" altLang="en-US" smtClean="0"/>
-              <a:t>2020/3/4</a:t>
+              <a:t>2020/3/5</a:t>
             </a:fld>
             <a:endParaRPr lang="zh-CN" altLang="en-US"/>
           </a:p>
@@ -1600,7 +1654,7 @@
           <a:p>
             <a:fld id="{955C5F15-080E-45FC-8F31-69BA88FD0242}" type="datetimeFigureOut">
               <a:rPr lang="zh-CN" altLang="en-US" smtClean="0"/>
-              <a:t>2020/3/4</a:t>
+              <a:t>2020/3/5</a:t>
             </a:fld>
             <a:endParaRPr lang="zh-CN" altLang="en-US"/>
           </a:p>
@@ -1717,7 +1771,7 @@
           <a:p>
             <a:fld id="{955C5F15-080E-45FC-8F31-69BA88FD0242}" type="datetimeFigureOut">
               <a:rPr lang="zh-CN" altLang="en-US" smtClean="0"/>
-              <a:t>2020/3/4</a:t>
+              <a:t>2020/3/5</a:t>
             </a:fld>
             <a:endParaRPr lang="zh-CN" altLang="en-US"/>
           </a:p>
@@ -1812,7 +1866,7 @@
           <a:p>
             <a:fld id="{955C5F15-080E-45FC-8F31-69BA88FD0242}" type="datetimeFigureOut">
               <a:rPr lang="zh-CN" altLang="en-US" smtClean="0"/>
-              <a:t>2020/3/4</a:t>
+              <a:t>2020/3/5</a:t>
             </a:fld>
             <a:endParaRPr lang="zh-CN" altLang="en-US"/>
           </a:p>
@@ -2087,7 +2141,7 @@
           <a:p>
             <a:fld id="{955C5F15-080E-45FC-8F31-69BA88FD0242}" type="datetimeFigureOut">
               <a:rPr lang="zh-CN" altLang="en-US" smtClean="0"/>
-              <a:t>2020/3/4</a:t>
+              <a:t>2020/3/5</a:t>
             </a:fld>
             <a:endParaRPr lang="zh-CN" altLang="en-US"/>
           </a:p>
@@ -2339,7 +2393,7 @@
           <a:p>
             <a:fld id="{955C5F15-080E-45FC-8F31-69BA88FD0242}" type="datetimeFigureOut">
               <a:rPr lang="zh-CN" altLang="en-US" smtClean="0"/>
-              <a:t>2020/3/4</a:t>
+              <a:t>2020/3/5</a:t>
             </a:fld>
             <a:endParaRPr lang="zh-CN" altLang="en-US"/>
           </a:p>
@@ -2559,7 +2613,7 @@
           <a:p>
             <a:fld id="{955C5F15-080E-45FC-8F31-69BA88FD0242}" type="datetimeFigureOut">
               <a:rPr lang="zh-CN" altLang="en-US" smtClean="0"/>
-              <a:t>2020/3/4</a:t>
+              <a:t>2020/3/5</a:t>
             </a:fld>
             <a:endParaRPr lang="zh-CN" altLang="en-US"/>
           </a:p>
@@ -2976,12 +3030,14 @@
         </p:nvSpPr>
         <p:spPr>
           <a:xfrm>
-            <a:off x="1799303" y="1209367"/>
+            <a:off x="1789470" y="865238"/>
             <a:ext cx="9144000" cy="1258376"/>
           </a:xfrm>
         </p:spPr>
         <p:txBody>
-          <a:bodyPr/>
+          <a:bodyPr>
+            <a:normAutofit fontScale="90000"/>
+          </a:bodyPr>
           <a:lstStyle/>
           <a:p>
             <a:r>
@@ -2989,7 +3045,7 @@
                 <a:latin typeface="Adobe 黑体 Std R" panose="020B0400000000000000" pitchFamily="34" charset="-122"/>
                 <a:ea typeface="Adobe 黑体 Std R" panose="020B0400000000000000" pitchFamily="34" charset="-122"/>
               </a:rPr>
-              <a:t>软件工程实践指导</a:t>
+              <a:t>软件工程实践指导课程介绍</a:t>
             </a:r>
           </a:p>
         </p:txBody>
@@ -3002,8 +3058,8 @@
         </p:nvSpPr>
         <p:spPr>
           <a:xfrm>
-            <a:off x="4962013" y="3856927"/>
-            <a:ext cx="4782351" cy="707886"/>
+            <a:off x="5397386" y="4036315"/>
+            <a:ext cx="5266068" cy="707886"/>
           </a:xfrm>
           <a:prstGeom prst="rect">
             <a:avLst/>
@@ -3021,11 +3077,21 @@
                 <a:latin typeface="Adobe 黑体 Std R" panose="020B0400000000000000" pitchFamily="34" charset="-122"/>
                 <a:ea typeface="Adobe 黑体 Std R" panose="020B0400000000000000" pitchFamily="34" charset="-122"/>
               </a:rPr>
-              <a:t>2020 / 3  </a:t>
-            </a:r>
-            <a:r>
-              <a:rPr lang="en-US" altLang="zh-CN" sz="4000" dirty="0"/>
-              <a:t>	</a:t>
+              <a:t> Mar 6</a:t>
+            </a:r>
+            <a:r>
+              <a:rPr lang="en-US" altLang="zh-CN" sz="4000" b="1" baseline="30000" dirty="0">
+                <a:latin typeface="Adobe 黑体 Std R" panose="020B0400000000000000" pitchFamily="34" charset="-122"/>
+                <a:ea typeface="Adobe 黑体 Std R" panose="020B0400000000000000" pitchFamily="34" charset="-122"/>
+              </a:rPr>
+              <a:t>th</a:t>
+            </a:r>
+            <a:r>
+              <a:rPr lang="en-US" altLang="zh-CN" sz="4000" b="1" dirty="0">
+                <a:latin typeface="Adobe 黑体 Std R" panose="020B0400000000000000" pitchFamily="34" charset="-122"/>
+                <a:ea typeface="Adobe 黑体 Std R" panose="020B0400000000000000" pitchFamily="34" charset="-122"/>
+              </a:rPr>
+              <a:t> 2020 </a:t>
             </a:r>
             <a:r>
               <a:rPr lang="zh-CN" altLang="en-US" sz="4000" b="1" dirty="0">
@@ -3041,6 +3107,625 @@
     <p:extLst>
       <p:ext uri="{BB962C8B-B14F-4D97-AF65-F5344CB8AC3E}">
         <p14:creationId xmlns:p14="http://schemas.microsoft.com/office/powerpoint/2010/main" val="3361926104"/>
+      </p:ext>
+    </p:extLst>
+  </p:cSld>
+  <p:clrMapOvr>
+    <a:masterClrMapping/>
+  </p:clrMapOvr>
+  <mc:AlternateContent xmlns:mc="http://schemas.openxmlformats.org/markup-compatibility/2006">
+    <mc:Choice xmlns:p14="http://schemas.microsoft.com/office/powerpoint/2010/main" Requires="p14">
+      <p:transition spd="slow" p14:dur="999"/>
+    </mc:Choice>
+    <mc:Fallback>
+      <p:transition spd="slow"/>
+    </mc:Fallback>
+  </mc:AlternateContent>
+</p:sld>
+</file>
+
+<file path=ppt/slides/slide10.xml><?xml version="1.0" encoding="utf-8"?>
+<p:sld xmlns:a="http://schemas.openxmlformats.org/drawingml/2006/main" xmlns:r="http://schemas.openxmlformats.org/officeDocument/2006/relationships" xmlns:p="http://schemas.openxmlformats.org/presentationml/2006/main">
+  <p:cSld>
+    <p:spTree>
+      <p:nvGrpSpPr>
+        <p:cNvPr id="1" name=""/>
+        <p:cNvGrpSpPr/>
+        <p:nvPr/>
+      </p:nvGrpSpPr>
+      <p:grpSpPr>
+        <a:xfrm>
+          <a:off x="0" y="0"/>
+          <a:ext cx="0" cy="0"/>
+          <a:chOff x="0" y="0"/>
+          <a:chExt cx="0" cy="0"/>
+        </a:xfrm>
+      </p:grpSpPr>
+      <p:sp>
+        <p:nvSpPr>
+          <p:cNvPr id="2" name="标题 1"/>
+          <p:cNvSpPr>
+            <a:spLocks noGrp="1"/>
+          </p:cNvSpPr>
+          <p:nvPr>
+            <p:ph type="title"/>
+          </p:nvPr>
+        </p:nvSpPr>
+        <p:spPr>
+          <a:xfrm>
+            <a:off x="838200" y="365125"/>
+            <a:ext cx="10515600" cy="1247365"/>
+          </a:xfrm>
+        </p:spPr>
+        <p:txBody>
+          <a:bodyPr>
+            <a:normAutofit/>
+          </a:bodyPr>
+          <a:lstStyle/>
+          <a:p>
+            <a:pPr algn="ctr"/>
+            <a:r>
+              <a:rPr lang="zh-CN" altLang="en-US" b="1" dirty="0">
+                <a:latin typeface="Adobe 黑体 Std R" panose="020B0400000000000000" pitchFamily="34" charset="-122"/>
+                <a:ea typeface="Adobe 黑体 Std R" panose="020B0400000000000000" pitchFamily="34" charset="-122"/>
+              </a:rPr>
+              <a:t>项目示例 </a:t>
+            </a:r>
+            <a:r>
+              <a:rPr lang="zh-CN" altLang="en-US" b="1" dirty="0">
+                <a:latin typeface="Adobe 黑体 Std R" panose="020B0400000000000000" pitchFamily="34" charset="-122"/>
+                <a:ea typeface="Adobe 黑体 Std R" panose="020B0400000000000000" pitchFamily="34" charset="-122"/>
+                <a:sym typeface="Wingdings" panose="05000000000000000000" pitchFamily="2" charset="2"/>
+              </a:rPr>
+              <a:t></a:t>
+            </a:r>
+            <a:endParaRPr lang="zh-CN" altLang="en-US" b="1" dirty="0">
+              <a:latin typeface="Adobe 黑体 Std R" panose="020B0400000000000000" pitchFamily="34" charset="-122"/>
+              <a:ea typeface="Adobe 黑体 Std R" panose="020B0400000000000000" pitchFamily="34" charset="-122"/>
+            </a:endParaRPr>
+          </a:p>
+        </p:txBody>
+      </p:sp>
+      <p:sp>
+        <p:nvSpPr>
+          <p:cNvPr id="4" name="内容占位符 2"/>
+          <p:cNvSpPr>
+            <a:spLocks noGrp="1"/>
+          </p:cNvSpPr>
+          <p:nvPr>
+            <p:ph idx="1"/>
+          </p:nvPr>
+        </p:nvSpPr>
+        <p:spPr>
+          <a:xfrm>
+            <a:off x="1300017" y="1811194"/>
+            <a:ext cx="10417501" cy="3402157"/>
+          </a:xfrm>
+        </p:spPr>
+        <p:txBody>
+          <a:bodyPr>
+            <a:normAutofit/>
+          </a:bodyPr>
+          <a:lstStyle/>
+          <a:p>
+            <a:r>
+              <a:rPr lang="zh-CN" altLang="en-US" sz="3200" dirty="0">
+                <a:latin typeface="Adobe 黑体 Std R" panose="020B0400000000000000" pitchFamily="34" charset="-122"/>
+                <a:ea typeface="Adobe 黑体 Std R" panose="020B0400000000000000" pitchFamily="34" charset="-122"/>
+              </a:rPr>
+              <a:t>小型网站站点</a:t>
+            </a:r>
+            <a:endParaRPr lang="en-US" altLang="zh-CN" sz="3200" dirty="0">
+              <a:latin typeface="Adobe 黑体 Std R" panose="020B0400000000000000" pitchFamily="34" charset="-122"/>
+              <a:ea typeface="Adobe 黑体 Std R" panose="020B0400000000000000" pitchFamily="34" charset="-122"/>
+            </a:endParaRPr>
+          </a:p>
+          <a:p>
+            <a:r>
+              <a:rPr lang="zh-CN" altLang="en-US" sz="3200" dirty="0">
+                <a:latin typeface="Adobe 黑体 Std R" panose="020B0400000000000000" pitchFamily="34" charset="-122"/>
+                <a:ea typeface="Adobe 黑体 Std R" panose="020B0400000000000000" pitchFamily="34" charset="-122"/>
+              </a:rPr>
+              <a:t>数据分析和数据挖掘的工具</a:t>
+            </a:r>
+            <a:endParaRPr lang="en-US" altLang="zh-CN" sz="3200" dirty="0">
+              <a:latin typeface="Adobe 黑体 Std R" panose="020B0400000000000000" pitchFamily="34" charset="-122"/>
+              <a:ea typeface="Adobe 黑体 Std R" panose="020B0400000000000000" pitchFamily="34" charset="-122"/>
+            </a:endParaRPr>
+          </a:p>
+          <a:p>
+            <a:r>
+              <a:rPr lang="zh-CN" altLang="en-US" sz="3200" dirty="0">
+                <a:latin typeface="Adobe 黑体 Std R" panose="020B0400000000000000" pitchFamily="34" charset="-122"/>
+                <a:ea typeface="Adobe 黑体 Std R" panose="020B0400000000000000" pitchFamily="34" charset="-122"/>
+              </a:rPr>
+              <a:t>大数据及拓展应用</a:t>
+            </a:r>
+            <a:endParaRPr lang="en-US" altLang="zh-CN" sz="3200" dirty="0">
+              <a:latin typeface="Adobe 黑体 Std R" panose="020B0400000000000000" pitchFamily="34" charset="-122"/>
+              <a:ea typeface="Adobe 黑体 Std R" panose="020B0400000000000000" pitchFamily="34" charset="-122"/>
+            </a:endParaRPr>
+          </a:p>
+          <a:p>
+            <a:r>
+              <a:rPr lang="zh-CN" altLang="en-US" sz="3200" dirty="0">
+                <a:latin typeface="Adobe 黑体 Std R" panose="020B0400000000000000" pitchFamily="34" charset="-122"/>
+                <a:ea typeface="Adobe 黑体 Std R" panose="020B0400000000000000" pitchFamily="34" charset="-122"/>
+              </a:rPr>
+              <a:t>人工智能相关的入门处理程序</a:t>
+            </a:r>
+            <a:endParaRPr lang="en-US" altLang="zh-CN" sz="3200" dirty="0">
+              <a:latin typeface="Adobe 黑体 Std R" panose="020B0400000000000000" pitchFamily="34" charset="-122"/>
+              <a:ea typeface="Adobe 黑体 Std R" panose="020B0400000000000000" pitchFamily="34" charset="-122"/>
+            </a:endParaRPr>
+          </a:p>
+        </p:txBody>
+      </p:sp>
+    </p:spTree>
+    <p:extLst>
+      <p:ext uri="{BB962C8B-B14F-4D97-AF65-F5344CB8AC3E}">
+        <p14:creationId xmlns:p14="http://schemas.microsoft.com/office/powerpoint/2010/main" val="3456522381"/>
+      </p:ext>
+    </p:extLst>
+  </p:cSld>
+  <p:clrMapOvr>
+    <a:masterClrMapping/>
+  </p:clrMapOvr>
+</p:sld>
+</file>
+
+<file path=ppt/slides/slide11.xml><?xml version="1.0" encoding="utf-8"?>
+<p:sld xmlns:a="http://schemas.openxmlformats.org/drawingml/2006/main" xmlns:r="http://schemas.openxmlformats.org/officeDocument/2006/relationships" xmlns:p="http://schemas.openxmlformats.org/presentationml/2006/main">
+  <p:cSld>
+    <p:spTree>
+      <p:nvGrpSpPr>
+        <p:cNvPr id="1" name=""/>
+        <p:cNvGrpSpPr/>
+        <p:nvPr/>
+      </p:nvGrpSpPr>
+      <p:grpSpPr>
+        <a:xfrm>
+          <a:off x="0" y="0"/>
+          <a:ext cx="0" cy="0"/>
+          <a:chOff x="0" y="0"/>
+          <a:chExt cx="0" cy="0"/>
+        </a:xfrm>
+      </p:grpSpPr>
+      <p:sp>
+        <p:nvSpPr>
+          <p:cNvPr id="2" name="标题 1"/>
+          <p:cNvSpPr>
+            <a:spLocks noGrp="1"/>
+          </p:cNvSpPr>
+          <p:nvPr>
+            <p:ph type="title"/>
+          </p:nvPr>
+        </p:nvSpPr>
+        <p:spPr>
+          <a:xfrm>
+            <a:off x="838200" y="365125"/>
+            <a:ext cx="10515600" cy="1247365"/>
+          </a:xfrm>
+        </p:spPr>
+        <p:txBody>
+          <a:bodyPr>
+            <a:normAutofit/>
+          </a:bodyPr>
+          <a:lstStyle/>
+          <a:p>
+            <a:pPr algn="ctr"/>
+            <a:r>
+              <a:rPr lang="zh-CN" altLang="en-US" b="1" dirty="0">
+                <a:latin typeface="Adobe 黑体 Std R" panose="020B0400000000000000" pitchFamily="34" charset="-122"/>
+                <a:ea typeface="Adobe 黑体 Std R" panose="020B0400000000000000" pitchFamily="34" charset="-122"/>
+              </a:rPr>
+              <a:t>用什么编程环境和语言</a:t>
+            </a:r>
+          </a:p>
+        </p:txBody>
+      </p:sp>
+      <p:sp>
+        <p:nvSpPr>
+          <p:cNvPr id="4" name="内容占位符 2"/>
+          <p:cNvSpPr>
+            <a:spLocks noGrp="1"/>
+          </p:cNvSpPr>
+          <p:nvPr>
+            <p:ph idx="1"/>
+          </p:nvPr>
+        </p:nvSpPr>
+        <p:spPr>
+          <a:xfrm>
+            <a:off x="1300017" y="1811195"/>
+            <a:ext cx="10417501" cy="3995716"/>
+          </a:xfrm>
+        </p:spPr>
+        <p:txBody>
+          <a:bodyPr>
+            <a:normAutofit/>
+          </a:bodyPr>
+          <a:lstStyle/>
+          <a:p>
+            <a:r>
+              <a:rPr lang="en-US" altLang="zh-CN" sz="3200" dirty="0">
+                <a:latin typeface="Adobe 黑体 Std R" panose="020B0400000000000000" pitchFamily="34" charset="-122"/>
+                <a:ea typeface="Adobe 黑体 Std R" panose="020B0400000000000000" pitchFamily="34" charset="-122"/>
+              </a:rPr>
+              <a:t>You can use whatever you want</a:t>
+            </a:r>
+          </a:p>
+          <a:p>
+            <a:r>
+              <a:rPr lang="zh-CN" altLang="en-US" sz="3200" dirty="0">
+                <a:latin typeface="Adobe 黑体 Std R" panose="020B0400000000000000" pitchFamily="34" charset="-122"/>
+                <a:ea typeface="Adobe 黑体 Std R" panose="020B0400000000000000" pitchFamily="34" charset="-122"/>
+              </a:rPr>
+              <a:t>但有时方案会被限定</a:t>
+            </a:r>
+            <a:r>
+              <a:rPr lang="zh-CN" altLang="en-US" sz="3200" dirty="0">
+                <a:latin typeface="Adobe 黑体 Std R" panose="020B0400000000000000" pitchFamily="34" charset="-122"/>
+                <a:ea typeface="Adobe 黑体 Std R" panose="020B0400000000000000" pitchFamily="34" charset="-122"/>
+                <a:sym typeface="Wingdings" panose="05000000000000000000" pitchFamily="2" charset="2"/>
+              </a:rPr>
+              <a:t>，有些已经成熟或是更为方便的解决方案</a:t>
+            </a:r>
+            <a:endParaRPr lang="en-US" altLang="zh-CN" sz="3200" dirty="0">
+              <a:latin typeface="Adobe 黑体 Std R" panose="020B0400000000000000" pitchFamily="34" charset="-122"/>
+              <a:ea typeface="Adobe 黑体 Std R" panose="020B0400000000000000" pitchFamily="34" charset="-122"/>
+            </a:endParaRPr>
+          </a:p>
+        </p:txBody>
+      </p:sp>
+    </p:spTree>
+    <p:extLst>
+      <p:ext uri="{BB962C8B-B14F-4D97-AF65-F5344CB8AC3E}">
+        <p14:creationId xmlns:p14="http://schemas.microsoft.com/office/powerpoint/2010/main" val="983043596"/>
+      </p:ext>
+    </p:extLst>
+  </p:cSld>
+  <p:clrMapOvr>
+    <a:masterClrMapping/>
+  </p:clrMapOvr>
+</p:sld>
+</file>
+
+<file path=ppt/slides/slide12.xml><?xml version="1.0" encoding="utf-8"?>
+<p:sld xmlns:a="http://schemas.openxmlformats.org/drawingml/2006/main" xmlns:r="http://schemas.openxmlformats.org/officeDocument/2006/relationships" xmlns:p="http://schemas.openxmlformats.org/presentationml/2006/main">
+  <p:cSld>
+    <p:spTree>
+      <p:nvGrpSpPr>
+        <p:cNvPr id="1" name=""/>
+        <p:cNvGrpSpPr/>
+        <p:nvPr/>
+      </p:nvGrpSpPr>
+      <p:grpSpPr>
+        <a:xfrm>
+          <a:off x="0" y="0"/>
+          <a:ext cx="0" cy="0"/>
+          <a:chOff x="0" y="0"/>
+          <a:chExt cx="0" cy="0"/>
+        </a:xfrm>
+      </p:grpSpPr>
+      <p:sp>
+        <p:nvSpPr>
+          <p:cNvPr id="2" name="标题 1"/>
+          <p:cNvSpPr>
+            <a:spLocks noGrp="1"/>
+          </p:cNvSpPr>
+          <p:nvPr>
+            <p:ph type="title"/>
+          </p:nvPr>
+        </p:nvSpPr>
+        <p:spPr>
+          <a:xfrm>
+            <a:off x="838200" y="365125"/>
+            <a:ext cx="10515600" cy="1247365"/>
+          </a:xfrm>
+        </p:spPr>
+        <p:txBody>
+          <a:bodyPr>
+            <a:normAutofit/>
+          </a:bodyPr>
+          <a:lstStyle/>
+          <a:p>
+            <a:pPr algn="ctr"/>
+            <a:r>
+              <a:rPr lang="zh-CN" altLang="en-US" b="1" dirty="0">
+                <a:latin typeface="Adobe 黑体 Std R" panose="020B0400000000000000" pitchFamily="34" charset="-122"/>
+                <a:ea typeface="Adobe 黑体 Std R" panose="020B0400000000000000" pitchFamily="34" charset="-122"/>
+              </a:rPr>
+              <a:t>课程参考书</a:t>
+            </a:r>
+          </a:p>
+        </p:txBody>
+      </p:sp>
+      <p:sp>
+        <p:nvSpPr>
+          <p:cNvPr id="12" name="内容占位符 11">
+            <a:extLst>
+              <a:ext uri="{FF2B5EF4-FFF2-40B4-BE49-F238E27FC236}">
+                <a16:creationId xmlns:a16="http://schemas.microsoft.com/office/drawing/2014/main" id="{6AD43A3B-5C98-46F6-A1E0-B7A6239BB3C7}"/>
+              </a:ext>
+            </a:extLst>
+          </p:cNvPr>
+          <p:cNvSpPr>
+            <a:spLocks noGrp="1"/>
+          </p:cNvSpPr>
+          <p:nvPr>
+            <p:ph idx="1"/>
+          </p:nvPr>
+        </p:nvSpPr>
+        <p:spPr>
+          <a:xfrm>
+            <a:off x="545969" y="1721930"/>
+            <a:ext cx="10515600" cy="4351338"/>
+          </a:xfrm>
+        </p:spPr>
+        <p:txBody>
+          <a:bodyPr/>
+          <a:lstStyle/>
+          <a:p>
+            <a:r>
+              <a:rPr lang="zh-CN" altLang="en-US" sz="3200" dirty="0">
+                <a:latin typeface="Adobe 黑体 Std R" panose="020B0400000000000000" pitchFamily="34" charset="-122"/>
+                <a:ea typeface="Adobe 黑体 Std R" panose="020B0400000000000000" pitchFamily="34" charset="-122"/>
+              </a:rPr>
+              <a:t>常用的设计开发工具的使用</a:t>
+            </a:r>
+            <a:endParaRPr lang="en-US" altLang="zh-CN" sz="3200" dirty="0">
+              <a:latin typeface="Adobe 黑体 Std R" panose="020B0400000000000000" pitchFamily="34" charset="-122"/>
+              <a:ea typeface="Adobe 黑体 Std R" panose="020B0400000000000000" pitchFamily="34" charset="-122"/>
+            </a:endParaRPr>
+          </a:p>
+          <a:p>
+            <a:r>
+              <a:rPr lang="zh-CN" altLang="en-US" sz="3200" dirty="0">
+                <a:latin typeface="Adobe 黑体 Std R" panose="020B0400000000000000" pitchFamily="34" charset="-122"/>
+                <a:ea typeface="Adobe 黑体 Std R" panose="020B0400000000000000" pitchFamily="34" charset="-122"/>
+              </a:rPr>
+              <a:t>常用的规范文档</a:t>
+            </a:r>
+            <a:endParaRPr lang="en-US" altLang="zh-CN" sz="3200" dirty="0">
+              <a:latin typeface="Adobe 黑体 Std R" panose="020B0400000000000000" pitchFamily="34" charset="-122"/>
+              <a:ea typeface="Adobe 黑体 Std R" panose="020B0400000000000000" pitchFamily="34" charset="-122"/>
+            </a:endParaRPr>
+          </a:p>
+          <a:p>
+            <a:r>
+              <a:rPr lang="zh-CN" altLang="en-US" sz="3200" dirty="0">
+                <a:latin typeface="Adobe 黑体 Std R" panose="020B0400000000000000" pitchFamily="34" charset="-122"/>
+                <a:ea typeface="Adobe 黑体 Std R" panose="020B0400000000000000" pitchFamily="34" charset="-122"/>
+              </a:rPr>
+              <a:t>一些开发实例</a:t>
+            </a:r>
+            <a:endParaRPr lang="en-US" altLang="zh-CN" sz="3200" dirty="0">
+              <a:latin typeface="Adobe 黑体 Std R" panose="020B0400000000000000" pitchFamily="34" charset="-122"/>
+              <a:ea typeface="Adobe 黑体 Std R" panose="020B0400000000000000" pitchFamily="34" charset="-122"/>
+            </a:endParaRPr>
+          </a:p>
+          <a:p>
+            <a:pPr marL="0" indent="0">
+              <a:buNone/>
+            </a:pPr>
+            <a:endParaRPr lang="en-US" altLang="zh-CN" sz="4000" dirty="0">
+              <a:latin typeface="Adobe 黑体 Std R" panose="020B0400000000000000" pitchFamily="34" charset="-122"/>
+              <a:ea typeface="Adobe 黑体 Std R" panose="020B0400000000000000" pitchFamily="34" charset="-122"/>
+            </a:endParaRPr>
+          </a:p>
+          <a:p>
+            <a:pPr marL="0" indent="0">
+              <a:buNone/>
+            </a:pPr>
+            <a:r>
+              <a:rPr lang="en-US" altLang="zh-CN" dirty="0">
+                <a:latin typeface="Adobe 黑体 Std R" panose="020B0400000000000000" pitchFamily="34" charset="-122"/>
+                <a:ea typeface="Adobe 黑体 Std R" panose="020B0400000000000000" pitchFamily="34" charset="-122"/>
+              </a:rPr>
+              <a:t>《</a:t>
+            </a:r>
+            <a:r>
+              <a:rPr lang="zh-CN" altLang="en-US" dirty="0">
+                <a:latin typeface="Adobe 黑体 Std R" panose="020B0400000000000000" pitchFamily="34" charset="-122"/>
+                <a:ea typeface="Adobe 黑体 Std R" panose="020B0400000000000000" pitchFamily="34" charset="-122"/>
+              </a:rPr>
+              <a:t>软件工程课程实践</a:t>
+            </a:r>
+            <a:r>
+              <a:rPr lang="en-US" altLang="zh-CN" dirty="0">
+                <a:latin typeface="Adobe 黑体 Std R" panose="020B0400000000000000" pitchFamily="34" charset="-122"/>
+                <a:ea typeface="Adobe 黑体 Std R" panose="020B0400000000000000" pitchFamily="34" charset="-122"/>
+              </a:rPr>
+              <a:t>》</a:t>
+            </a:r>
+            <a:r>
+              <a:rPr lang="zh-CN" altLang="en-US" dirty="0">
+                <a:latin typeface="Adobe 黑体 Std R" panose="020B0400000000000000" pitchFamily="34" charset="-122"/>
+                <a:ea typeface="Adobe 黑体 Std R" panose="020B0400000000000000" pitchFamily="34" charset="-122"/>
+              </a:rPr>
+              <a:t>清华大学出版社</a:t>
+            </a:r>
+            <a:endParaRPr lang="en-US" altLang="zh-CN" dirty="0">
+              <a:latin typeface="Adobe 黑体 Std R" panose="020B0400000000000000" pitchFamily="34" charset="-122"/>
+              <a:ea typeface="Adobe 黑体 Std R" panose="020B0400000000000000" pitchFamily="34" charset="-122"/>
+            </a:endParaRPr>
+          </a:p>
+        </p:txBody>
+      </p:sp>
+      <p:pic>
+        <p:nvPicPr>
+          <p:cNvPr id="13" name="内容占位符 8">
+            <a:extLst>
+              <a:ext uri="{FF2B5EF4-FFF2-40B4-BE49-F238E27FC236}">
+                <a16:creationId xmlns:a16="http://schemas.microsoft.com/office/drawing/2014/main" id="{A9617770-3E85-4E67-A20A-DD7557EC2C3A}"/>
+              </a:ext>
+            </a:extLst>
+          </p:cNvPr>
+          <p:cNvPicPr>
+            <a:picLocks noChangeAspect="1"/>
+          </p:cNvPicPr>
+          <p:nvPr/>
+        </p:nvPicPr>
+        <p:blipFill>
+          <a:blip r:embed="rId2">
+            <a:extLst>
+              <a:ext uri="{28A0092B-C50C-407E-A947-70E740481C1C}">
+                <a14:useLocalDpi xmlns:a14="http://schemas.microsoft.com/office/drawing/2010/main" val="0"/>
+              </a:ext>
+            </a:extLst>
+          </a:blip>
+          <a:stretch>
+            <a:fillRect/>
+          </a:stretch>
+        </p:blipFill>
+        <p:spPr>
+          <a:xfrm>
+            <a:off x="7634927" y="1612490"/>
+            <a:ext cx="3188995" cy="4351338"/>
+          </a:xfrm>
+          <a:prstGeom prst="rect">
+            <a:avLst/>
+          </a:prstGeom>
+        </p:spPr>
+      </p:pic>
+    </p:spTree>
+    <p:extLst>
+      <p:ext uri="{BB962C8B-B14F-4D97-AF65-F5344CB8AC3E}">
+        <p14:creationId xmlns:p14="http://schemas.microsoft.com/office/powerpoint/2010/main" val="3663768822"/>
+      </p:ext>
+    </p:extLst>
+  </p:cSld>
+  <p:clrMapOvr>
+    <a:masterClrMapping/>
+  </p:clrMapOvr>
+  <mc:AlternateContent xmlns:mc="http://schemas.openxmlformats.org/markup-compatibility/2006">
+    <mc:Choice xmlns:p14="http://schemas.microsoft.com/office/powerpoint/2010/main" Requires="p14">
+      <p:transition spd="slow" p14:dur="999"/>
+    </mc:Choice>
+    <mc:Fallback>
+      <p:transition spd="slow"/>
+    </mc:Fallback>
+  </mc:AlternateContent>
+</p:sld>
+</file>
+
+<file path=ppt/slides/slide13.xml><?xml version="1.0" encoding="utf-8"?>
+<p:sld xmlns:a="http://schemas.openxmlformats.org/drawingml/2006/main" xmlns:r="http://schemas.openxmlformats.org/officeDocument/2006/relationships" xmlns:p="http://schemas.openxmlformats.org/presentationml/2006/main">
+  <p:cSld>
+    <p:spTree>
+      <p:nvGrpSpPr>
+        <p:cNvPr id="1" name=""/>
+        <p:cNvGrpSpPr/>
+        <p:nvPr/>
+      </p:nvGrpSpPr>
+      <p:grpSpPr>
+        <a:xfrm>
+          <a:off x="0" y="0"/>
+          <a:ext cx="0" cy="0"/>
+          <a:chOff x="0" y="0"/>
+          <a:chExt cx="0" cy="0"/>
+        </a:xfrm>
+      </p:grpSpPr>
+      <p:sp>
+        <p:nvSpPr>
+          <p:cNvPr id="2" name="标题 1"/>
+          <p:cNvSpPr>
+            <a:spLocks noGrp="1"/>
+          </p:cNvSpPr>
+          <p:nvPr>
+            <p:ph type="title"/>
+          </p:nvPr>
+        </p:nvSpPr>
+        <p:spPr/>
+        <p:txBody>
+          <a:bodyPr>
+            <a:normAutofit/>
+          </a:bodyPr>
+          <a:lstStyle/>
+          <a:p>
+            <a:pPr algn="ctr"/>
+            <a:r>
+              <a:rPr lang="en-US" altLang="zh-CN" b="1" dirty="0">
+                <a:latin typeface="Adobe 黑体 Std R" panose="020B0400000000000000" pitchFamily="34" charset="-122"/>
+                <a:ea typeface="Adobe 黑体 Std R" panose="020B0400000000000000" pitchFamily="34" charset="-122"/>
+              </a:rPr>
+              <a:t>PPT</a:t>
+            </a:r>
+            <a:r>
+              <a:rPr lang="zh-CN" altLang="en-US" b="1" dirty="0">
+                <a:latin typeface="Adobe 黑体 Std R" panose="020B0400000000000000" pitchFamily="34" charset="-122"/>
+                <a:ea typeface="Adobe 黑体 Std R" panose="020B0400000000000000" pitchFamily="34" charset="-122"/>
+              </a:rPr>
+              <a:t>在哪里</a:t>
+            </a:r>
+          </a:p>
+        </p:txBody>
+      </p:sp>
+      <p:sp>
+        <p:nvSpPr>
+          <p:cNvPr id="3" name="内容占位符 2"/>
+          <p:cNvSpPr>
+            <a:spLocks noGrp="1"/>
+          </p:cNvSpPr>
+          <p:nvPr>
+            <p:ph idx="1"/>
+          </p:nvPr>
+        </p:nvSpPr>
+        <p:spPr>
+          <a:xfrm>
+            <a:off x="2029691" y="1690688"/>
+            <a:ext cx="8056418" cy="4351338"/>
+          </a:xfrm>
+        </p:spPr>
+        <p:txBody>
+          <a:bodyPr/>
+          <a:lstStyle/>
+          <a:p>
+            <a:pPr marL="0" indent="0">
+              <a:buNone/>
+            </a:pPr>
+            <a:r>
+              <a:rPr lang="en-US" altLang="zh-CN" dirty="0"/>
+              <a:t>https://github.com/zuoshenghuang/curriculum.git</a:t>
+            </a:r>
+            <a:endParaRPr lang="zh-CN" altLang="en-US" dirty="0"/>
+          </a:p>
+        </p:txBody>
+      </p:sp>
+      <p:pic>
+        <p:nvPicPr>
+          <p:cNvPr id="4" name="图片 3"/>
+          <p:cNvPicPr>
+            <a:picLocks noChangeAspect="1"/>
+          </p:cNvPicPr>
+          <p:nvPr/>
+        </p:nvPicPr>
+        <p:blipFill>
+          <a:blip r:embed="rId2">
+            <a:extLst>
+              <a:ext uri="{28A0092B-C50C-407E-A947-70E740481C1C}">
+                <a14:useLocalDpi xmlns:a14="http://schemas.microsoft.com/office/drawing/2010/main" val="0"/>
+              </a:ext>
+            </a:extLst>
+          </a:blip>
+          <a:stretch>
+            <a:fillRect/>
+          </a:stretch>
+        </p:blipFill>
+        <p:spPr>
+          <a:xfrm>
+            <a:off x="4762500" y="2797464"/>
+            <a:ext cx="2667000" cy="2667000"/>
+          </a:xfrm>
+          <a:prstGeom prst="rect">
+            <a:avLst/>
+          </a:prstGeom>
+        </p:spPr>
+      </p:pic>
+    </p:spTree>
+    <p:extLst>
+      <p:ext uri="{BB962C8B-B14F-4D97-AF65-F5344CB8AC3E}">
+        <p14:creationId xmlns:p14="http://schemas.microsoft.com/office/powerpoint/2010/main" val="430193381"/>
       </p:ext>
     </p:extLst>
   </p:cSld>
@@ -3084,18 +3769,25 @@
           <a:p>
             <a:pPr algn="ctr"/>
             <a:r>
+              <a:rPr lang="zh-CN" altLang="en-US" b="1" dirty="0">
+                <a:latin typeface="Adobe 黑体 Std R" panose="020B0400000000000000" pitchFamily="34" charset="-122"/>
+                <a:ea typeface="Adobe 黑体 Std R" panose="020B0400000000000000" pitchFamily="34" charset="-122"/>
+              </a:rPr>
+              <a:t> </a:t>
+            </a:r>
+            <a:r>
               <a:rPr lang="en-US" altLang="zh-CN" b="1" dirty="0">
                 <a:latin typeface="Adobe 黑体 Std R" panose="020B0400000000000000" pitchFamily="34" charset="-122"/>
                 <a:ea typeface="Adobe 黑体 Std R" panose="020B0400000000000000" pitchFamily="34" charset="-122"/>
               </a:rPr>
-              <a:t>Ch.0 </a:t>
+              <a:t>Ch0 </a:t>
             </a:r>
             <a:r>
               <a:rPr lang="zh-CN" altLang="en-US" b="1" dirty="0">
                 <a:latin typeface="Adobe 黑体 Std R" panose="020B0400000000000000" pitchFamily="34" charset="-122"/>
                 <a:ea typeface="Adobe 黑体 Std R" panose="020B0400000000000000" pitchFamily="34" charset="-122"/>
               </a:rPr>
-              <a:t>课程介绍</a:t>
+              <a:t>课程内容</a:t>
             </a:r>
           </a:p>
         </p:txBody>
@@ -3118,83 +3810,57 @@
         </p:spPr>
         <p:txBody>
           <a:bodyPr>
-            <a:normAutofit fontScale="92500" lnSpcReduction="10000"/>
+            <a:normAutofit/>
           </a:bodyPr>
           <a:lstStyle/>
           <a:p>
             <a:r>
-              <a:rPr lang="zh-CN" altLang="en-US" sz="4000" dirty="0">
-                <a:latin typeface="Adobe 黑体 Std R" panose="020B0400000000000000" pitchFamily="34" charset="-122"/>
-                <a:ea typeface="Adobe 黑体 Std R" panose="020B0400000000000000" pitchFamily="34" charset="-122"/>
-              </a:rPr>
-              <a:t>了解软件开发过程</a:t>
-            </a:r>
-            <a:endParaRPr lang="en-US" altLang="zh-CN" sz="4000" dirty="0">
+              <a:rPr lang="zh-CN" altLang="en-US" sz="3200" dirty="0">
+                <a:latin typeface="Adobe 黑体 Std R" panose="020B0400000000000000" pitchFamily="34" charset="-122"/>
+                <a:ea typeface="Adobe 黑体 Std R" panose="020B0400000000000000" pitchFamily="34" charset="-122"/>
+              </a:rPr>
+              <a:t>如何协作</a:t>
+            </a:r>
+            <a:endParaRPr lang="en-US" altLang="zh-CN" sz="3200" dirty="0">
               <a:latin typeface="Adobe 黑体 Std R" panose="020B0400000000000000" pitchFamily="34" charset="-122"/>
               <a:ea typeface="Adobe 黑体 Std R" panose="020B0400000000000000" pitchFamily="34" charset="-122"/>
             </a:endParaRPr>
           </a:p>
           <a:p>
             <a:r>
-              <a:rPr lang="zh-CN" altLang="en-US" sz="4000" dirty="0">
-                <a:latin typeface="Adobe 黑体 Std R" panose="020B0400000000000000" pitchFamily="34" charset="-122"/>
-                <a:ea typeface="Adobe 黑体 Std R" panose="020B0400000000000000" pitchFamily="34" charset="-122"/>
-              </a:rPr>
-              <a:t>认识工程化的开发思想</a:t>
-            </a:r>
-            <a:endParaRPr lang="en-US" altLang="zh-CN" sz="4000" dirty="0">
+              <a:rPr lang="zh-CN" altLang="en-US" sz="3200" dirty="0">
+                <a:latin typeface="Adobe 黑体 Std R" panose="020B0400000000000000" pitchFamily="34" charset="-122"/>
+                <a:ea typeface="Adobe 黑体 Std R" panose="020B0400000000000000" pitchFamily="34" charset="-122"/>
+              </a:rPr>
+              <a:t>标准与规范</a:t>
+            </a:r>
+            <a:endParaRPr lang="en-US" altLang="zh-CN" sz="3200" dirty="0">
               <a:latin typeface="Adobe 黑体 Std R" panose="020B0400000000000000" pitchFamily="34" charset="-122"/>
               <a:ea typeface="Adobe 黑体 Std R" panose="020B0400000000000000" pitchFamily="34" charset="-122"/>
             </a:endParaRPr>
           </a:p>
           <a:p>
             <a:r>
-              <a:rPr lang="zh-CN" altLang="en-US" sz="4000" dirty="0">
-                <a:latin typeface="Adobe 黑体 Std R" panose="020B0400000000000000" pitchFamily="34" charset="-122"/>
-                <a:ea typeface="Adobe 黑体 Std R" panose="020B0400000000000000" pitchFamily="34" charset="-122"/>
-              </a:rPr>
-              <a:t>拓展技术视野</a:t>
-            </a:r>
-            <a:endParaRPr lang="en-US" altLang="zh-CN" sz="4000" dirty="0">
+              <a:rPr lang="zh-CN" altLang="en-US" sz="3200" dirty="0">
+                <a:latin typeface="Adobe 黑体 Std R" panose="020B0400000000000000" pitchFamily="34" charset="-122"/>
+                <a:ea typeface="Adobe 黑体 Std R" panose="020B0400000000000000" pitchFamily="34" charset="-122"/>
+              </a:rPr>
+              <a:t>软件制作流程</a:t>
+            </a:r>
+            <a:endParaRPr lang="en-US" altLang="zh-CN" sz="3200" dirty="0">
               <a:latin typeface="Adobe 黑体 Std R" panose="020B0400000000000000" pitchFamily="34" charset="-122"/>
               <a:ea typeface="Adobe 黑体 Std R" panose="020B0400000000000000" pitchFamily="34" charset="-122"/>
             </a:endParaRPr>
           </a:p>
           <a:p>
             <a:r>
-              <a:rPr lang="zh-CN" altLang="en-US" sz="4000" dirty="0">
-                <a:latin typeface="Adobe 黑体 Std R" panose="020B0400000000000000" pitchFamily="34" charset="-122"/>
-                <a:ea typeface="Adobe 黑体 Std R" panose="020B0400000000000000" pitchFamily="34" charset="-122"/>
-              </a:rPr>
-              <a:t>增强实践技巧</a:t>
-            </a:r>
-            <a:endParaRPr lang="en-US" altLang="zh-CN" sz="4000" dirty="0">
-              <a:latin typeface="Adobe 黑体 Std R" panose="020B0400000000000000" pitchFamily="34" charset="-122"/>
-              <a:ea typeface="Adobe 黑体 Std R" panose="020B0400000000000000" pitchFamily="34" charset="-122"/>
-            </a:endParaRPr>
-          </a:p>
-          <a:p>
-            <a:r>
-              <a:rPr lang="zh-CN" altLang="en-US" sz="4000" dirty="0">
-                <a:latin typeface="Adobe 黑体 Std R" panose="020B0400000000000000" pitchFamily="34" charset="-122"/>
-                <a:ea typeface="Adobe 黑体 Std R" panose="020B0400000000000000" pitchFamily="34" charset="-122"/>
-              </a:rPr>
-              <a:t>学会探索</a:t>
-            </a:r>
-            <a:endParaRPr lang="en-US" altLang="zh-CN" sz="4000" dirty="0">
-              <a:latin typeface="Adobe 黑体 Std R" panose="020B0400000000000000" pitchFamily="34" charset="-122"/>
-              <a:ea typeface="Adobe 黑体 Std R" panose="020B0400000000000000" pitchFamily="34" charset="-122"/>
-            </a:endParaRPr>
-          </a:p>
-          <a:p>
-            <a:r>
-              <a:rPr lang="zh-CN" altLang="en-US" sz="4000" dirty="0">
-                <a:latin typeface="Adobe 黑体 Std R" panose="020B0400000000000000" pitchFamily="34" charset="-122"/>
-                <a:ea typeface="Adobe 黑体 Std R" panose="020B0400000000000000" pitchFamily="34" charset="-122"/>
-              </a:rPr>
-              <a:t>自发解决问题</a:t>
-            </a:r>
-            <a:endParaRPr lang="en-US" altLang="zh-CN" sz="4000" dirty="0">
+              <a:rPr lang="zh-CN" altLang="en-US" sz="3200" dirty="0">
+                <a:latin typeface="Adobe 黑体 Std R" panose="020B0400000000000000" pitchFamily="34" charset="-122"/>
+                <a:ea typeface="Adobe 黑体 Std R" panose="020B0400000000000000" pitchFamily="34" charset="-122"/>
+              </a:rPr>
+              <a:t>做几个项目</a:t>
+            </a:r>
+            <a:endParaRPr lang="en-US" altLang="zh-CN" sz="3200" dirty="0">
               <a:latin typeface="Adobe 黑体 Std R" panose="020B0400000000000000" pitchFamily="34" charset="-122"/>
               <a:ea typeface="Adobe 黑体 Std R" panose="020B0400000000000000" pitchFamily="34" charset="-122"/>
             </a:endParaRPr>
@@ -3210,33 +3876,27 @@
     </p:spTree>
     <p:extLst>
       <p:ext uri="{BB962C8B-B14F-4D97-AF65-F5344CB8AC3E}">
-        <p14:creationId xmlns:p14="http://schemas.microsoft.com/office/powerpoint/2010/main" val="3868117963"/>
+        <p14:creationId xmlns:p14="http://schemas.microsoft.com/office/powerpoint/2010/main" val="409568764"/>
       </p:ext>
     </p:extLst>
   </p:cSld>
   <p:clrMapOvr>
     <a:masterClrMapping/>
   </p:clrMapOvr>
+  <mc:AlternateContent xmlns:mc="http://schemas.openxmlformats.org/markup-compatibility/2006">
+    <mc:Choice xmlns:p14="http://schemas.microsoft.com/office/powerpoint/2010/main" Requires="p14">
+      <p:transition spd="slow" p14:dur="999"/>
+    </mc:Choice>
+    <mc:Fallback>
+      <p:transition spd="slow"/>
+    </mc:Fallback>
+  </mc:AlternateContent>
 </p:sld>
 </file>
 
 <file path=ppt/slides/slide3.xml><?xml version="1.0" encoding="utf-8"?>
 <p:sld xmlns:a="http://schemas.openxmlformats.org/drawingml/2006/main" xmlns:r="http://schemas.openxmlformats.org/officeDocument/2006/relationships" xmlns:p="http://schemas.openxmlformats.org/presentationml/2006/main">
   <p:cSld>
-    <p:bg>
-      <p:bgPr>
-        <a:blipFill dpi="0" rotWithShape="1">
-          <a:blip r:embed="rId3">
-            <a:lum/>
-          </a:blip>
-          <a:srcRect/>
-          <a:stretch>
-            <a:fillRect t="-23000" b="-23000"/>
-          </a:stretch>
-        </a:blipFill>
-        <a:effectLst/>
-      </p:bgPr>
-    </p:bg>
     <p:spTree>
       <p:nvGrpSpPr>
         <p:cNvPr id="1" name=""/>
@@ -3253,7 +3913,13 @@
       </p:grpSpPr>
       <p:sp>
         <p:nvSpPr>
-          <p:cNvPr id="2" name="标题 1"/>
+          <p:cNvPr id="7" name="标题 1">
+            <a:extLst>
+              <a:ext uri="{FF2B5EF4-FFF2-40B4-BE49-F238E27FC236}">
+                <a16:creationId xmlns:a16="http://schemas.microsoft.com/office/drawing/2014/main" id="{6242A310-EFAB-4256-9B43-3BEB574D9300}"/>
+              </a:ext>
+            </a:extLst>
+          </p:cNvPr>
           <p:cNvSpPr>
             <a:spLocks noGrp="1"/>
           </p:cNvSpPr>
@@ -3261,7 +3927,12 @@
             <p:ph type="title"/>
           </p:nvPr>
         </p:nvSpPr>
-        <p:spPr/>
+        <p:spPr>
+          <a:xfrm>
+            <a:off x="838200" y="365125"/>
+            <a:ext cx="10515600" cy="1325563"/>
+          </a:xfrm>
+        </p:spPr>
         <p:txBody>
           <a:bodyPr>
             <a:normAutofit/>
@@ -3274,51 +3945,631 @@
                 <a:latin typeface="Adobe 黑体 Std R" panose="020B0400000000000000" pitchFamily="34" charset="-122"/>
                 <a:ea typeface="Adobe 黑体 Std R" panose="020B0400000000000000" pitchFamily="34" charset="-122"/>
               </a:rPr>
-              <a:t>做项目</a:t>
-            </a:r>
-          </a:p>
-        </p:txBody>
-      </p:sp>
-      <p:pic>
-        <p:nvPicPr>
-          <p:cNvPr id="4" name="图片 3"/>
-          <p:cNvPicPr>
-            <a:picLocks noChangeAspect="1"/>
-          </p:cNvPicPr>
-          <p:nvPr/>
-        </p:nvPicPr>
-        <p:blipFill>
-          <a:blip r:embed="rId4">
+              <a:t>本次课程“项目”描述</a:t>
+            </a:r>
+          </a:p>
+        </p:txBody>
+      </p:sp>
+      <mc:AlternateContent xmlns:mc="http://schemas.openxmlformats.org/markup-compatibility/2006" xmlns:p14="http://schemas.microsoft.com/office/powerpoint/2010/main">
+        <mc:Choice Requires="p14">
+          <p:contentPart p14:bwMode="auto" r:id="rId2">
+            <p14:nvContentPartPr>
+              <p14:cNvPr id="47" name="墨迹 46">
+                <a:extLst>
+                  <a:ext uri="{FF2B5EF4-FFF2-40B4-BE49-F238E27FC236}">
+                    <a16:creationId xmlns:a16="http://schemas.microsoft.com/office/drawing/2014/main" id="{29524BEC-DC91-440A-ADED-98D5F1C9659D}"/>
+                  </a:ext>
+                </a:extLst>
+              </p14:cNvPr>
+              <p14:cNvContentPartPr/>
+              <p14:nvPr/>
+            </p14:nvContentPartPr>
+            <p14:xfrm>
+              <a:off x="1895192" y="2198041"/>
+              <a:ext cx="8938800" cy="3197520"/>
+            </p14:xfrm>
+          </p:contentPart>
+        </mc:Choice>
+        <mc:Fallback xmlns="">
+          <p:pic>
+            <p:nvPicPr>
+              <p:cNvPr id="47" name="墨迹 46">
+                <a:extLst>
+                  <a:ext uri="{FF2B5EF4-FFF2-40B4-BE49-F238E27FC236}">
+                    <a16:creationId xmlns:a16="http://schemas.microsoft.com/office/drawing/2014/main" id="{29524BEC-DC91-440A-ADED-98D5F1C9659D}"/>
+                  </a:ext>
+                </a:extLst>
+              </p:cNvPr>
+              <p:cNvPicPr/>
+              <p:nvPr/>
+            </p:nvPicPr>
+            <p:blipFill>
+              <a:blip r:embed="rId3"/>
+              <a:stretch>
+                <a:fillRect/>
+              </a:stretch>
+            </p:blipFill>
+            <p:spPr>
+              <a:xfrm>
+                <a:off x="1859552" y="2162045"/>
+                <a:ext cx="9037440" cy="3269152"/>
+              </a:xfrm>
+              <a:prstGeom prst="rect">
+                <a:avLst/>
+              </a:prstGeom>
+            </p:spPr>
+          </p:pic>
+        </mc:Fallback>
+      </mc:AlternateContent>
+      <p:sp>
+        <p:nvSpPr>
+          <p:cNvPr id="48" name="文本框 47">
             <a:extLst>
-              <a:ext uri="{28A0092B-C50C-407E-A947-70E740481C1C}">
-                <a14:useLocalDpi xmlns:a14="http://schemas.microsoft.com/office/drawing/2010/main" val="0"/>
+              <a:ext uri="{FF2B5EF4-FFF2-40B4-BE49-F238E27FC236}">
+                <a16:creationId xmlns:a16="http://schemas.microsoft.com/office/drawing/2014/main" id="{1E2220E5-2E09-463F-B63F-83C557EF9D96}"/>
               </a:ext>
             </a:extLst>
-          </a:blip>
-          <a:stretch>
-            <a:fillRect/>
-          </a:stretch>
-        </p:blipFill>
-        <p:spPr>
-          <a:xfrm>
-            <a:off x="1640937" y="1939637"/>
-            <a:ext cx="9209672" cy="3960236"/>
+          </p:cNvPr>
+          <p:cNvSpPr txBox="1"/>
+          <p:nvPr/>
+        </p:nvSpPr>
+        <p:spPr>
+          <a:xfrm>
+            <a:off x="8936610" y="3534118"/>
+            <a:ext cx="2045616" cy="584775"/>
           </a:xfrm>
           <a:prstGeom prst="rect">
             <a:avLst/>
           </a:prstGeom>
           <a:noFill/>
         </p:spPr>
-      </p:pic>
+        <p:txBody>
+          <a:bodyPr wrap="square" rtlCol="0">
+            <a:spAutoFit/>
+          </a:bodyPr>
+          <a:lstStyle/>
+          <a:p>
+            <a:r>
+              <a:rPr lang="zh-CN" altLang="en-US" sz="3200" b="1" dirty="0"/>
+              <a:t>完成课程</a:t>
+            </a:r>
+          </a:p>
+        </p:txBody>
+      </p:sp>
+      <p:sp>
+        <p:nvSpPr>
+          <p:cNvPr id="50" name="文本框 49">
+            <a:extLst>
+              <a:ext uri="{FF2B5EF4-FFF2-40B4-BE49-F238E27FC236}">
+                <a16:creationId xmlns:a16="http://schemas.microsoft.com/office/drawing/2014/main" id="{C2428B1D-C93B-4BB3-97EA-CF2D19244070}"/>
+              </a:ext>
+            </a:extLst>
+          </p:cNvPr>
+          <p:cNvSpPr txBox="1"/>
+          <p:nvPr/>
+        </p:nvSpPr>
+        <p:spPr>
+          <a:xfrm>
+            <a:off x="3580033" y="3918838"/>
+            <a:ext cx="1223912" cy="400110"/>
+          </a:xfrm>
+          <a:prstGeom prst="rect">
+            <a:avLst/>
+          </a:prstGeom>
+          <a:noFill/>
+        </p:spPr>
+        <p:txBody>
+          <a:bodyPr wrap="square" rtlCol="0">
+            <a:spAutoFit/>
+          </a:bodyPr>
+          <a:lstStyle/>
+          <a:p>
+            <a:r>
+              <a:rPr lang="zh-CN" altLang="en-US" sz="2000" b="1" dirty="0"/>
+              <a:t>开发环境</a:t>
+            </a:r>
+          </a:p>
+        </p:txBody>
+      </p:sp>
+      <p:sp>
+        <p:nvSpPr>
+          <p:cNvPr id="51" name="文本框 50">
+            <a:extLst>
+              <a:ext uri="{FF2B5EF4-FFF2-40B4-BE49-F238E27FC236}">
+                <a16:creationId xmlns:a16="http://schemas.microsoft.com/office/drawing/2014/main" id="{349AC547-286F-47A9-B5A5-ABCC986959F1}"/>
+              </a:ext>
+            </a:extLst>
+          </p:cNvPr>
+          <p:cNvSpPr txBox="1"/>
+          <p:nvPr/>
+        </p:nvSpPr>
+        <p:spPr>
+          <a:xfrm>
+            <a:off x="3107708" y="4372569"/>
+            <a:ext cx="1223912" cy="400110"/>
+          </a:xfrm>
+          <a:prstGeom prst="rect">
+            <a:avLst/>
+          </a:prstGeom>
+          <a:noFill/>
+        </p:spPr>
+        <p:txBody>
+          <a:bodyPr wrap="square" rtlCol="0">
+            <a:spAutoFit/>
+          </a:bodyPr>
+          <a:lstStyle/>
+          <a:p>
+            <a:r>
+              <a:rPr lang="zh-CN" altLang="en-US" sz="2000" b="1" dirty="0"/>
+              <a:t>开发工具</a:t>
+            </a:r>
+          </a:p>
+        </p:txBody>
+      </p:sp>
+      <p:sp>
+        <p:nvSpPr>
+          <p:cNvPr id="52" name="文本框 51">
+            <a:extLst>
+              <a:ext uri="{FF2B5EF4-FFF2-40B4-BE49-F238E27FC236}">
+                <a16:creationId xmlns:a16="http://schemas.microsoft.com/office/drawing/2014/main" id="{5FF6B31A-5AFE-4932-91E5-FCD7C36257B3}"/>
+              </a:ext>
+            </a:extLst>
+          </p:cNvPr>
+          <p:cNvSpPr txBox="1"/>
+          <p:nvPr/>
+        </p:nvSpPr>
+        <p:spPr>
+          <a:xfrm>
+            <a:off x="4458297" y="3064997"/>
+            <a:ext cx="1223912" cy="400110"/>
+          </a:xfrm>
+          <a:prstGeom prst="rect">
+            <a:avLst/>
+          </a:prstGeom>
+          <a:noFill/>
+        </p:spPr>
+        <p:txBody>
+          <a:bodyPr wrap="square" rtlCol="0">
+            <a:spAutoFit/>
+          </a:bodyPr>
+          <a:lstStyle/>
+          <a:p>
+            <a:r>
+              <a:rPr lang="zh-CN" altLang="en-US" sz="2000" b="1" dirty="0"/>
+              <a:t>协作工具</a:t>
+            </a:r>
+          </a:p>
+        </p:txBody>
+      </p:sp>
+      <p:sp>
+        <p:nvSpPr>
+          <p:cNvPr id="54" name="文本框 53">
+            <a:extLst>
+              <a:ext uri="{FF2B5EF4-FFF2-40B4-BE49-F238E27FC236}">
+                <a16:creationId xmlns:a16="http://schemas.microsoft.com/office/drawing/2014/main" id="{5016678A-4B66-4538-9E0E-3B8717DB9E59}"/>
+              </a:ext>
+            </a:extLst>
+          </p:cNvPr>
+          <p:cNvSpPr txBox="1"/>
+          <p:nvPr/>
+        </p:nvSpPr>
+        <p:spPr>
+          <a:xfrm>
+            <a:off x="4191989" y="2638077"/>
+            <a:ext cx="1223912" cy="400110"/>
+          </a:xfrm>
+          <a:prstGeom prst="rect">
+            <a:avLst/>
+          </a:prstGeom>
+          <a:noFill/>
+        </p:spPr>
+        <p:txBody>
+          <a:bodyPr wrap="square" rtlCol="0">
+            <a:spAutoFit/>
+          </a:bodyPr>
+          <a:lstStyle/>
+          <a:p>
+            <a:r>
+              <a:rPr lang="zh-CN" altLang="en-US" sz="2000" b="1" dirty="0"/>
+              <a:t>协作准则</a:t>
+            </a:r>
+          </a:p>
+        </p:txBody>
+      </p:sp>
+      <p:sp>
+        <p:nvSpPr>
+          <p:cNvPr id="55" name="文本框 54">
+            <a:extLst>
+              <a:ext uri="{FF2B5EF4-FFF2-40B4-BE49-F238E27FC236}">
+                <a16:creationId xmlns:a16="http://schemas.microsoft.com/office/drawing/2014/main" id="{2BD03AC8-904E-4722-A9E1-214E67B37FC3}"/>
+              </a:ext>
+            </a:extLst>
+          </p:cNvPr>
+          <p:cNvSpPr txBox="1"/>
+          <p:nvPr/>
+        </p:nvSpPr>
+        <p:spPr>
+          <a:xfrm>
+            <a:off x="3939036" y="2186478"/>
+            <a:ext cx="1223912" cy="400110"/>
+          </a:xfrm>
+          <a:prstGeom prst="rect">
+            <a:avLst/>
+          </a:prstGeom>
+          <a:noFill/>
+        </p:spPr>
+        <p:txBody>
+          <a:bodyPr wrap="square" rtlCol="0">
+            <a:spAutoFit/>
+          </a:bodyPr>
+          <a:lstStyle/>
+          <a:p>
+            <a:r>
+              <a:rPr lang="zh-CN" altLang="en-US" sz="2000" b="1" dirty="0"/>
+              <a:t>协作沟通</a:t>
+            </a:r>
+          </a:p>
+        </p:txBody>
+      </p:sp>
+      <p:sp>
+        <p:nvSpPr>
+          <p:cNvPr id="56" name="文本框 55">
+            <a:extLst>
+              <a:ext uri="{FF2B5EF4-FFF2-40B4-BE49-F238E27FC236}">
+                <a16:creationId xmlns:a16="http://schemas.microsoft.com/office/drawing/2014/main" id="{5A663A3F-6453-4E30-BBB6-64462AC49648}"/>
+              </a:ext>
+            </a:extLst>
+          </p:cNvPr>
+          <p:cNvSpPr txBox="1"/>
+          <p:nvPr/>
+        </p:nvSpPr>
+        <p:spPr>
+          <a:xfrm>
+            <a:off x="5607209" y="3923659"/>
+            <a:ext cx="829082" cy="400110"/>
+          </a:xfrm>
+          <a:prstGeom prst="rect">
+            <a:avLst/>
+          </a:prstGeom>
+          <a:noFill/>
+        </p:spPr>
+        <p:txBody>
+          <a:bodyPr wrap="square" rtlCol="0">
+            <a:spAutoFit/>
+          </a:bodyPr>
+          <a:lstStyle/>
+          <a:p>
+            <a:r>
+              <a:rPr lang="zh-CN" altLang="en-US" sz="2000" b="1" dirty="0"/>
+              <a:t>需求</a:t>
+            </a:r>
+          </a:p>
+        </p:txBody>
+      </p:sp>
+      <p:sp>
+        <p:nvSpPr>
+          <p:cNvPr id="57" name="文本框 56">
+            <a:extLst>
+              <a:ext uri="{FF2B5EF4-FFF2-40B4-BE49-F238E27FC236}">
+                <a16:creationId xmlns:a16="http://schemas.microsoft.com/office/drawing/2014/main" id="{E0EE9E7D-58E2-4E86-AA55-6118BD42B628}"/>
+              </a:ext>
+            </a:extLst>
+          </p:cNvPr>
+          <p:cNvSpPr txBox="1"/>
+          <p:nvPr/>
+        </p:nvSpPr>
+        <p:spPr>
+          <a:xfrm>
+            <a:off x="5455107" y="4364774"/>
+            <a:ext cx="730138" cy="400110"/>
+          </a:xfrm>
+          <a:prstGeom prst="rect">
+            <a:avLst/>
+          </a:prstGeom>
+          <a:noFill/>
+        </p:spPr>
+        <p:txBody>
+          <a:bodyPr wrap="square" rtlCol="0">
+            <a:spAutoFit/>
+          </a:bodyPr>
+          <a:lstStyle/>
+          <a:p>
+            <a:r>
+              <a:rPr lang="zh-CN" altLang="en-US" sz="2000" b="1" dirty="0"/>
+              <a:t>设计</a:t>
+            </a:r>
+          </a:p>
+        </p:txBody>
+      </p:sp>
+      <p:sp>
+        <p:nvSpPr>
+          <p:cNvPr id="58" name="文本框 57">
+            <a:extLst>
+              <a:ext uri="{FF2B5EF4-FFF2-40B4-BE49-F238E27FC236}">
+                <a16:creationId xmlns:a16="http://schemas.microsoft.com/office/drawing/2014/main" id="{9C7A78CD-F111-467D-8143-4AD37379C0B9}"/>
+              </a:ext>
+            </a:extLst>
+          </p:cNvPr>
+          <p:cNvSpPr txBox="1"/>
+          <p:nvPr/>
+        </p:nvSpPr>
+        <p:spPr>
+          <a:xfrm>
+            <a:off x="5306873" y="4752655"/>
+            <a:ext cx="829082" cy="400110"/>
+          </a:xfrm>
+          <a:prstGeom prst="rect">
+            <a:avLst/>
+          </a:prstGeom>
+          <a:noFill/>
+        </p:spPr>
+        <p:txBody>
+          <a:bodyPr wrap="square" rtlCol="0">
+            <a:spAutoFit/>
+          </a:bodyPr>
+          <a:lstStyle/>
+          <a:p>
+            <a:r>
+              <a:rPr lang="zh-CN" altLang="en-US" sz="2000" b="1" dirty="0"/>
+              <a:t>实现</a:t>
+            </a:r>
+          </a:p>
+        </p:txBody>
+      </p:sp>
+      <p:sp>
+        <p:nvSpPr>
+          <p:cNvPr id="59" name="文本框 58">
+            <a:extLst>
+              <a:ext uri="{FF2B5EF4-FFF2-40B4-BE49-F238E27FC236}">
+                <a16:creationId xmlns:a16="http://schemas.microsoft.com/office/drawing/2014/main" id="{EAFBF624-9B5A-4317-AFE1-DB8AA6AFFC1A}"/>
+              </a:ext>
+            </a:extLst>
+          </p:cNvPr>
+          <p:cNvSpPr txBox="1"/>
+          <p:nvPr/>
+        </p:nvSpPr>
+        <p:spPr>
+          <a:xfrm>
+            <a:off x="5070253" y="5179575"/>
+            <a:ext cx="1223912" cy="400110"/>
+          </a:xfrm>
+          <a:prstGeom prst="rect">
+            <a:avLst/>
+          </a:prstGeom>
+          <a:noFill/>
+        </p:spPr>
+        <p:txBody>
+          <a:bodyPr wrap="square" rtlCol="0">
+            <a:spAutoFit/>
+          </a:bodyPr>
+          <a:lstStyle/>
+          <a:p>
+            <a:r>
+              <a:rPr lang="zh-CN" altLang="en-US" sz="2000" b="1" dirty="0"/>
+              <a:t>测试</a:t>
+            </a:r>
+          </a:p>
+        </p:txBody>
+      </p:sp>
+      <p:sp>
+        <p:nvSpPr>
+          <p:cNvPr id="60" name="文本框 59">
+            <a:extLst>
+              <a:ext uri="{FF2B5EF4-FFF2-40B4-BE49-F238E27FC236}">
+                <a16:creationId xmlns:a16="http://schemas.microsoft.com/office/drawing/2014/main" id="{F2A9A680-24E1-4D6D-BFFD-1FF4C94ED56B}"/>
+              </a:ext>
+            </a:extLst>
+          </p:cNvPr>
+          <p:cNvSpPr txBox="1"/>
+          <p:nvPr/>
+        </p:nvSpPr>
+        <p:spPr>
+          <a:xfrm>
+            <a:off x="5897837" y="3073716"/>
+            <a:ext cx="1223912" cy="400110"/>
+          </a:xfrm>
+          <a:prstGeom prst="rect">
+            <a:avLst/>
+          </a:prstGeom>
+          <a:noFill/>
+        </p:spPr>
+        <p:txBody>
+          <a:bodyPr wrap="square" rtlCol="0">
+            <a:spAutoFit/>
+          </a:bodyPr>
+          <a:lstStyle/>
+          <a:p>
+            <a:r>
+              <a:rPr lang="zh-CN" altLang="en-US" sz="2000" b="1" dirty="0"/>
+              <a:t>开发规范</a:t>
+            </a:r>
+          </a:p>
+        </p:txBody>
+      </p:sp>
+      <p:sp>
+        <p:nvSpPr>
+          <p:cNvPr id="61" name="文本框 60">
+            <a:extLst>
+              <a:ext uri="{FF2B5EF4-FFF2-40B4-BE49-F238E27FC236}">
+                <a16:creationId xmlns:a16="http://schemas.microsoft.com/office/drawing/2014/main" id="{A0BB1DF3-59FB-4264-949D-311704587784}"/>
+              </a:ext>
+            </a:extLst>
+          </p:cNvPr>
+          <p:cNvSpPr txBox="1"/>
+          <p:nvPr/>
+        </p:nvSpPr>
+        <p:spPr>
+          <a:xfrm>
+            <a:off x="5607209" y="2557644"/>
+            <a:ext cx="1223912" cy="400110"/>
+          </a:xfrm>
+          <a:prstGeom prst="rect">
+            <a:avLst/>
+          </a:prstGeom>
+          <a:noFill/>
+        </p:spPr>
+        <p:txBody>
+          <a:bodyPr wrap="square" rtlCol="0">
+            <a:spAutoFit/>
+          </a:bodyPr>
+          <a:lstStyle/>
+          <a:p>
+            <a:r>
+              <a:rPr lang="zh-CN" altLang="en-US" sz="2000" b="1" dirty="0"/>
+              <a:t>管理规范</a:t>
+            </a:r>
+          </a:p>
+        </p:txBody>
+      </p:sp>
+      <p:sp>
+        <p:nvSpPr>
+          <p:cNvPr id="62" name="文本框 61">
+            <a:extLst>
+              <a:ext uri="{FF2B5EF4-FFF2-40B4-BE49-F238E27FC236}">
+                <a16:creationId xmlns:a16="http://schemas.microsoft.com/office/drawing/2014/main" id="{C01FF949-300B-4805-ADF8-D0720EC0ABD8}"/>
+              </a:ext>
+            </a:extLst>
+          </p:cNvPr>
+          <p:cNvSpPr txBox="1"/>
+          <p:nvPr/>
+        </p:nvSpPr>
+        <p:spPr>
+          <a:xfrm>
+            <a:off x="7239555" y="3918180"/>
+            <a:ext cx="1223912" cy="400110"/>
+          </a:xfrm>
+          <a:prstGeom prst="rect">
+            <a:avLst/>
+          </a:prstGeom>
+          <a:noFill/>
+        </p:spPr>
+        <p:txBody>
+          <a:bodyPr wrap="square" rtlCol="0">
+            <a:spAutoFit/>
+          </a:bodyPr>
+          <a:lstStyle/>
+          <a:p>
+            <a:r>
+              <a:rPr lang="zh-CN" altLang="en-US" sz="2000" b="1" dirty="0"/>
+              <a:t>开发实例</a:t>
+            </a:r>
+          </a:p>
+        </p:txBody>
+      </p:sp>
+      <p:sp>
+        <p:nvSpPr>
+          <p:cNvPr id="63" name="文本框 62">
+            <a:extLst>
+              <a:ext uri="{FF2B5EF4-FFF2-40B4-BE49-F238E27FC236}">
+                <a16:creationId xmlns:a16="http://schemas.microsoft.com/office/drawing/2014/main" id="{E09B7350-D40B-459B-A749-36FDC186EC5B}"/>
+              </a:ext>
+            </a:extLst>
+          </p:cNvPr>
+          <p:cNvSpPr txBox="1"/>
+          <p:nvPr/>
+        </p:nvSpPr>
+        <p:spPr>
+          <a:xfrm>
+            <a:off x="7154793" y="4346315"/>
+            <a:ext cx="1523745" cy="400110"/>
+          </a:xfrm>
+          <a:prstGeom prst="rect">
+            <a:avLst/>
+          </a:prstGeom>
+          <a:noFill/>
+        </p:spPr>
+        <p:txBody>
+          <a:bodyPr wrap="square" rtlCol="0">
+            <a:spAutoFit/>
+          </a:bodyPr>
+          <a:lstStyle/>
+          <a:p>
+            <a:r>
+              <a:rPr lang="zh-CN" altLang="en-US" sz="2000" b="1" dirty="0"/>
+              <a:t>深入的实践</a:t>
+            </a:r>
+          </a:p>
+        </p:txBody>
+      </p:sp>
+      <p:sp>
+        <p:nvSpPr>
+          <p:cNvPr id="64" name="文本框 63">
+            <a:extLst>
+              <a:ext uri="{FF2B5EF4-FFF2-40B4-BE49-F238E27FC236}">
+                <a16:creationId xmlns:a16="http://schemas.microsoft.com/office/drawing/2014/main" id="{BC0730EF-FC16-4C26-97AD-B8D22A83D0B7}"/>
+              </a:ext>
+            </a:extLst>
+          </p:cNvPr>
+          <p:cNvSpPr txBox="1"/>
+          <p:nvPr/>
+        </p:nvSpPr>
+        <p:spPr>
+          <a:xfrm>
+            <a:off x="7512990" y="2967845"/>
+            <a:ext cx="1223912" cy="400110"/>
+          </a:xfrm>
+          <a:prstGeom prst="rect">
+            <a:avLst/>
+          </a:prstGeom>
+          <a:noFill/>
+        </p:spPr>
+        <p:txBody>
+          <a:bodyPr wrap="square" rtlCol="0">
+            <a:spAutoFit/>
+          </a:bodyPr>
+          <a:lstStyle/>
+          <a:p>
+            <a:r>
+              <a:rPr lang="zh-CN" altLang="en-US" sz="2000" b="1" dirty="0"/>
+              <a:t>考核作业</a:t>
+            </a:r>
+          </a:p>
+        </p:txBody>
+      </p:sp>
+      <p:sp>
+        <p:nvSpPr>
+          <p:cNvPr id="65" name="文本框 64">
+            <a:extLst>
+              <a:ext uri="{FF2B5EF4-FFF2-40B4-BE49-F238E27FC236}">
+                <a16:creationId xmlns:a16="http://schemas.microsoft.com/office/drawing/2014/main" id="{51DF2B7C-1407-4395-B853-2C5755FC137C}"/>
+              </a:ext>
+            </a:extLst>
+          </p:cNvPr>
+          <p:cNvSpPr txBox="1"/>
+          <p:nvPr/>
+        </p:nvSpPr>
+        <p:spPr>
+          <a:xfrm>
+            <a:off x="7239555" y="2539710"/>
+            <a:ext cx="1223912" cy="400110"/>
+          </a:xfrm>
+          <a:prstGeom prst="rect">
+            <a:avLst/>
+          </a:prstGeom>
+          <a:noFill/>
+        </p:spPr>
+        <p:txBody>
+          <a:bodyPr wrap="square" rtlCol="0">
+            <a:spAutoFit/>
+          </a:bodyPr>
+          <a:lstStyle/>
+          <a:p>
+            <a:r>
+              <a:rPr lang="zh-CN" altLang="en-US" sz="2000" b="1" dirty="0"/>
+              <a:t>考核作业</a:t>
+            </a:r>
+          </a:p>
+        </p:txBody>
+      </p:sp>
     </p:spTree>
     <p:extLst>
       <p:ext uri="{BB962C8B-B14F-4D97-AF65-F5344CB8AC3E}">
-        <p14:creationId xmlns:p14="http://schemas.microsoft.com/office/powerpoint/2010/main" val="39449751"/>
+        <p14:creationId xmlns:p14="http://schemas.microsoft.com/office/powerpoint/2010/main" val="1191867555"/>
       </p:ext>
     </p:extLst>
   </p:cSld>
   <p:clrMapOvr>
-    <a:overrideClrMapping bg1="lt1" tx1="dk1" bg2="lt2" tx2="dk2" accent1="accent1" accent2="accent2" accent3="accent3" accent4="accent4" accent5="accent5" accent6="accent6" hlink="hlink" folHlink="folHlink"/>
+    <a:masterClrMapping/>
   </p:clrMapOvr>
 </p:sld>
 </file>
@@ -3342,13 +4593,33 @@
       </p:grpSpPr>
       <p:sp>
         <p:nvSpPr>
-          <p:cNvPr id="3" name="内容占位符 2">
-            <a:extLst>
-              <a:ext uri="{FF2B5EF4-FFF2-40B4-BE49-F238E27FC236}">
-                <a16:creationId xmlns:a16="http://schemas.microsoft.com/office/drawing/2014/main" id="{53D17D71-57F1-4ACB-A9D5-81669977F86D}"/>
-              </a:ext>
-            </a:extLst>
-          </p:cNvPr>
+          <p:cNvPr id="2" name="标题 1"/>
+          <p:cNvSpPr>
+            <a:spLocks noGrp="1"/>
+          </p:cNvSpPr>
+          <p:nvPr>
+            <p:ph type="title"/>
+          </p:nvPr>
+        </p:nvSpPr>
+        <p:spPr/>
+        <p:txBody>
+          <a:bodyPr/>
+          <a:lstStyle/>
+          <a:p>
+            <a:pPr algn="ctr"/>
+            <a:r>
+              <a:rPr lang="zh-CN" altLang="en-US" b="1" dirty="0">
+                <a:latin typeface="Adobe 黑体 Std R" panose="020B0400000000000000" pitchFamily="34" charset="-122"/>
+                <a:ea typeface="Adobe 黑体 Std R" panose="020B0400000000000000" pitchFamily="34" charset="-122"/>
+              </a:rPr>
+              <a:t>章节安排</a:t>
+            </a:r>
+          </a:p>
+        </p:txBody>
+      </p:sp>
+      <p:sp>
+        <p:nvSpPr>
+          <p:cNvPr id="3" name="内容占位符 2"/>
           <p:cNvSpPr>
             <a:spLocks noGrp="1"/>
           </p:cNvSpPr>
@@ -3356,35 +4627,10 @@
             <p:ph idx="1"/>
           </p:nvPr>
         </p:nvSpPr>
-        <p:spPr/>
-        <p:txBody>
-          <a:bodyPr/>
-          <a:lstStyle/>
-          <a:p>
-            <a:endParaRPr lang="zh-CN" altLang="en-US" dirty="0"/>
-          </a:p>
-        </p:txBody>
-      </p:sp>
-      <p:sp>
-        <p:nvSpPr>
-          <p:cNvPr id="7" name="标题 1">
-            <a:extLst>
-              <a:ext uri="{FF2B5EF4-FFF2-40B4-BE49-F238E27FC236}">
-                <a16:creationId xmlns:a16="http://schemas.microsoft.com/office/drawing/2014/main" id="{6242A310-EFAB-4256-9B43-3BEB574D9300}"/>
-              </a:ext>
-            </a:extLst>
-          </p:cNvPr>
-          <p:cNvSpPr>
-            <a:spLocks noGrp="1"/>
-          </p:cNvSpPr>
-          <p:nvPr>
-            <p:ph type="title"/>
-          </p:nvPr>
-        </p:nvSpPr>
-        <p:spPr>
-          <a:xfrm>
-            <a:off x="838200" y="365125"/>
-            <a:ext cx="10515600" cy="1325563"/>
+        <p:spPr>
+          <a:xfrm>
+            <a:off x="1376219" y="1690687"/>
+            <a:ext cx="9558874" cy="4802187"/>
           </a:xfrm>
         </p:spPr>
         <p:txBody>
@@ -3393,21 +4639,151 @@
           </a:bodyPr>
           <a:lstStyle/>
           <a:p>
-            <a:pPr algn="ctr"/>
-            <a:r>
-              <a:rPr lang="zh-CN" altLang="en-US" b="1" dirty="0">
-                <a:latin typeface="Adobe 黑体 Std R" panose="020B0400000000000000" pitchFamily="34" charset="-122"/>
-                <a:ea typeface="Adobe 黑体 Std R" panose="020B0400000000000000" pitchFamily="34" charset="-122"/>
-              </a:rPr>
-              <a:t>做项目</a:t>
-            </a:r>
+            <a:r>
+              <a:rPr lang="en-US" altLang="zh-CN" sz="3200" dirty="0">
+                <a:latin typeface="Adobe 黑体 Std R" panose="020B0400000000000000" pitchFamily="34" charset="-122"/>
+                <a:ea typeface="Adobe 黑体 Std R" panose="020B0400000000000000" pitchFamily="34" charset="-122"/>
+              </a:rPr>
+              <a:t>Ch1 </a:t>
+            </a:r>
+            <a:r>
+              <a:rPr lang="zh-CN" altLang="en-US" sz="3200" dirty="0">
+                <a:latin typeface="Adobe 黑体 Std R" panose="020B0400000000000000" pitchFamily="34" charset="-122"/>
+                <a:ea typeface="Adobe 黑体 Std R" panose="020B0400000000000000" pitchFamily="34" charset="-122"/>
+              </a:rPr>
+              <a:t>对软件的基本认识</a:t>
+            </a:r>
+            <a:endParaRPr lang="en-US" altLang="zh-CN" sz="3200" dirty="0">
+              <a:latin typeface="Adobe 黑体 Std R" panose="020B0400000000000000" pitchFamily="34" charset="-122"/>
+              <a:ea typeface="Adobe 黑体 Std R" panose="020B0400000000000000" pitchFamily="34" charset="-122"/>
+            </a:endParaRPr>
+          </a:p>
+          <a:p>
+            <a:r>
+              <a:rPr lang="en-US" altLang="zh-CN" sz="3200" dirty="0">
+                <a:latin typeface="Adobe 黑体 Std R" panose="020B0400000000000000" pitchFamily="34" charset="-122"/>
+                <a:ea typeface="Adobe 黑体 Std R" panose="020B0400000000000000" pitchFamily="34" charset="-122"/>
+              </a:rPr>
+              <a:t>Ch2 </a:t>
+            </a:r>
+            <a:r>
+              <a:rPr lang="zh-CN" altLang="en-US" sz="3200" dirty="0">
+                <a:latin typeface="Adobe 黑体 Std R" panose="020B0400000000000000" pitchFamily="34" charset="-122"/>
+                <a:ea typeface="Adobe 黑体 Std R" panose="020B0400000000000000" pitchFamily="34" charset="-122"/>
+              </a:rPr>
+              <a:t>软件开发中的协作</a:t>
+            </a:r>
+            <a:endParaRPr lang="en-US" altLang="zh-CN" sz="3200" dirty="0">
+              <a:latin typeface="Adobe 黑体 Std R" panose="020B0400000000000000" pitchFamily="34" charset="-122"/>
+              <a:ea typeface="Adobe 黑体 Std R" panose="020B0400000000000000" pitchFamily="34" charset="-122"/>
+            </a:endParaRPr>
+          </a:p>
+          <a:p>
+            <a:r>
+              <a:rPr lang="en-US" altLang="zh-CN" sz="3200" dirty="0">
+                <a:latin typeface="Adobe 黑体 Std R" panose="020B0400000000000000" pitchFamily="34" charset="-122"/>
+                <a:ea typeface="Adobe 黑体 Std R" panose="020B0400000000000000" pitchFamily="34" charset="-122"/>
+              </a:rPr>
+              <a:t>Ch3 </a:t>
+            </a:r>
+            <a:r>
+              <a:rPr lang="zh-CN" altLang="en-US" sz="3200" dirty="0">
+                <a:latin typeface="Adobe 黑体 Std R" panose="020B0400000000000000" pitchFamily="34" charset="-122"/>
+                <a:ea typeface="Adobe 黑体 Std R" panose="020B0400000000000000" pitchFamily="34" charset="-122"/>
+              </a:rPr>
+              <a:t>软件开发过程中的规范</a:t>
+            </a:r>
+            <a:endParaRPr lang="en-US" altLang="zh-CN" sz="3200" dirty="0">
+              <a:latin typeface="Adobe 黑体 Std R" panose="020B0400000000000000" pitchFamily="34" charset="-122"/>
+              <a:ea typeface="Adobe 黑体 Std R" panose="020B0400000000000000" pitchFamily="34" charset="-122"/>
+            </a:endParaRPr>
+          </a:p>
+          <a:p>
+            <a:r>
+              <a:rPr lang="en-US" altLang="zh-CN" sz="3200" dirty="0">
+                <a:latin typeface="Adobe 黑体 Std R" panose="020B0400000000000000" pitchFamily="34" charset="-122"/>
+                <a:ea typeface="Adobe 黑体 Std R" panose="020B0400000000000000" pitchFamily="34" charset="-122"/>
+              </a:rPr>
+              <a:t>Ch4 </a:t>
+            </a:r>
+            <a:r>
+              <a:rPr lang="zh-CN" altLang="en-US" sz="3200" dirty="0">
+                <a:latin typeface="Adobe 黑体 Std R" panose="020B0400000000000000" pitchFamily="34" charset="-122"/>
+                <a:ea typeface="Adobe 黑体 Std R" panose="020B0400000000000000" pitchFamily="34" charset="-122"/>
+              </a:rPr>
+              <a:t>项目及项目进程</a:t>
+            </a:r>
+            <a:endParaRPr lang="en-US" altLang="zh-CN" sz="3200" dirty="0">
+              <a:latin typeface="Adobe 黑体 Std R" panose="020B0400000000000000" pitchFamily="34" charset="-122"/>
+              <a:ea typeface="Adobe 黑体 Std R" panose="020B0400000000000000" pitchFamily="34" charset="-122"/>
+            </a:endParaRPr>
+          </a:p>
+          <a:p>
+            <a:r>
+              <a:rPr lang="en-US" altLang="zh-CN" sz="3200" dirty="0">
+                <a:latin typeface="Adobe 黑体 Std R" panose="020B0400000000000000" pitchFamily="34" charset="-122"/>
+                <a:ea typeface="Adobe 黑体 Std R" panose="020B0400000000000000" pitchFamily="34" charset="-122"/>
+              </a:rPr>
+              <a:t>Ch5 </a:t>
+            </a:r>
+            <a:r>
+              <a:rPr lang="zh-CN" altLang="en-US" sz="3200" dirty="0">
+                <a:latin typeface="Adobe 黑体 Std R" panose="020B0400000000000000" pitchFamily="34" charset="-122"/>
+                <a:ea typeface="Adobe 黑体 Std R" panose="020B0400000000000000" pitchFamily="34" charset="-122"/>
+              </a:rPr>
+              <a:t>软件的设计及模块化思维</a:t>
+            </a:r>
+            <a:endParaRPr lang="en-US" altLang="zh-CN" sz="3200" dirty="0">
+              <a:latin typeface="Adobe 黑体 Std R" panose="020B0400000000000000" pitchFamily="34" charset="-122"/>
+              <a:ea typeface="Adobe 黑体 Std R" panose="020B0400000000000000" pitchFamily="34" charset="-122"/>
+            </a:endParaRPr>
+          </a:p>
+          <a:p>
+            <a:r>
+              <a:rPr lang="en-US" altLang="zh-CN" sz="3200" dirty="0">
+                <a:latin typeface="Adobe 黑体 Std R" panose="020B0400000000000000" pitchFamily="34" charset="-122"/>
+                <a:ea typeface="Adobe 黑体 Std R" panose="020B0400000000000000" pitchFamily="34" charset="-122"/>
+              </a:rPr>
+              <a:t>Ch6</a:t>
+            </a:r>
+            <a:r>
+              <a:rPr lang="zh-CN" altLang="en-US" sz="3200" dirty="0">
+                <a:latin typeface="Adobe 黑体 Std R" panose="020B0400000000000000" pitchFamily="34" charset="-122"/>
+                <a:ea typeface="Adobe 黑体 Std R" panose="020B0400000000000000" pitchFamily="34" charset="-122"/>
+              </a:rPr>
+              <a:t> 软件体系结构介绍</a:t>
+            </a:r>
+            <a:endParaRPr lang="en-US" altLang="zh-CN" sz="3200" dirty="0">
+              <a:latin typeface="Adobe 黑体 Std R" panose="020B0400000000000000" pitchFamily="34" charset="-122"/>
+              <a:ea typeface="Adobe 黑体 Std R" panose="020B0400000000000000" pitchFamily="34" charset="-122"/>
+            </a:endParaRPr>
+          </a:p>
+          <a:p>
+            <a:r>
+              <a:rPr lang="en-US" altLang="zh-CN" sz="3200" dirty="0">
+                <a:latin typeface="Adobe 黑体 Std R" panose="020B0400000000000000" pitchFamily="34" charset="-122"/>
+                <a:ea typeface="Adobe 黑体 Std R" panose="020B0400000000000000" pitchFamily="34" charset="-122"/>
+              </a:rPr>
+              <a:t>Ch7 </a:t>
+            </a:r>
+            <a:r>
+              <a:rPr lang="zh-CN" altLang="en-US" sz="3200" dirty="0">
+                <a:latin typeface="Adobe 黑体 Std R" panose="020B0400000000000000" pitchFamily="34" charset="-122"/>
+                <a:ea typeface="Adobe 黑体 Std R" panose="020B0400000000000000" pitchFamily="34" charset="-122"/>
+              </a:rPr>
+              <a:t>项目实践</a:t>
+            </a:r>
+            <a:endParaRPr lang="en-US" altLang="zh-CN" sz="3200" dirty="0">
+              <a:latin typeface="Adobe 黑体 Std R" panose="020B0400000000000000" pitchFamily="34" charset="-122"/>
+              <a:ea typeface="Adobe 黑体 Std R" panose="020B0400000000000000" pitchFamily="34" charset="-122"/>
+            </a:endParaRPr>
           </a:p>
         </p:txBody>
       </p:sp>
     </p:spTree>
     <p:extLst>
       <p:ext uri="{BB962C8B-B14F-4D97-AF65-F5344CB8AC3E}">
-        <p14:creationId xmlns:p14="http://schemas.microsoft.com/office/powerpoint/2010/main" val="1191867555"/>
+        <p14:creationId xmlns:p14="http://schemas.microsoft.com/office/powerpoint/2010/main" val="510127793"/>
       </p:ext>
     </p:extLst>
   </p:cSld>
@@ -3455,7 +4831,7 @@
                 <a:latin typeface="Adobe 黑体 Std R" panose="020B0400000000000000" pitchFamily="34" charset="-122"/>
                 <a:ea typeface="Adobe 黑体 Std R" panose="020B0400000000000000" pitchFamily="34" charset="-122"/>
               </a:rPr>
-              <a:t>大体内容</a:t>
+              <a:t>课程目标</a:t>
             </a:r>
           </a:p>
         </p:txBody>
@@ -3483,52 +4859,78 @@
           <a:lstStyle/>
           <a:p>
             <a:r>
-              <a:rPr lang="zh-CN" altLang="en-US" sz="4000" dirty="0">
-                <a:latin typeface="Adobe 黑体 Std R" panose="020B0400000000000000" pitchFamily="34" charset="-122"/>
-                <a:ea typeface="Adobe 黑体 Std R" panose="020B0400000000000000" pitchFamily="34" charset="-122"/>
-              </a:rPr>
-              <a:t>开发运行环境</a:t>
-            </a:r>
-            <a:endParaRPr lang="en-US" altLang="zh-CN" sz="4000" dirty="0">
+              <a:rPr lang="zh-CN" altLang="en-US" sz="3200" dirty="0">
+                <a:latin typeface="Adobe 黑体 Std R" panose="020B0400000000000000" pitchFamily="34" charset="-122"/>
+                <a:ea typeface="Adobe 黑体 Std R" panose="020B0400000000000000" pitchFamily="34" charset="-122"/>
+              </a:rPr>
+              <a:t>了解软件开发过程</a:t>
+            </a:r>
+            <a:endParaRPr lang="en-US" altLang="zh-CN" sz="3200" dirty="0">
               <a:latin typeface="Adobe 黑体 Std R" panose="020B0400000000000000" pitchFamily="34" charset="-122"/>
               <a:ea typeface="Adobe 黑体 Std R" panose="020B0400000000000000" pitchFamily="34" charset="-122"/>
             </a:endParaRPr>
           </a:p>
           <a:p>
             <a:r>
-              <a:rPr lang="zh-CN" altLang="en-US" sz="4000" dirty="0">
-                <a:latin typeface="Adobe 黑体 Std R" panose="020B0400000000000000" pitchFamily="34" charset="-122"/>
-                <a:ea typeface="Adobe 黑体 Std R" panose="020B0400000000000000" pitchFamily="34" charset="-122"/>
-              </a:rPr>
-              <a:t>如何协作</a:t>
-            </a:r>
-            <a:endParaRPr lang="en-US" altLang="zh-CN" sz="4000" dirty="0">
+              <a:rPr lang="zh-CN" altLang="en-US" sz="3200" dirty="0">
+                <a:latin typeface="Adobe 黑体 Std R" panose="020B0400000000000000" pitchFamily="34" charset="-122"/>
+                <a:ea typeface="Adobe 黑体 Std R" panose="020B0400000000000000" pitchFamily="34" charset="-122"/>
+              </a:rPr>
+              <a:t>认识工程化的开发思想</a:t>
+            </a:r>
+            <a:endParaRPr lang="en-US" altLang="zh-CN" sz="3200" dirty="0">
               <a:latin typeface="Adobe 黑体 Std R" panose="020B0400000000000000" pitchFamily="34" charset="-122"/>
               <a:ea typeface="Adobe 黑体 Std R" panose="020B0400000000000000" pitchFamily="34" charset="-122"/>
             </a:endParaRPr>
           </a:p>
           <a:p>
             <a:r>
-              <a:rPr lang="zh-CN" altLang="en-US" sz="4000" dirty="0">
-                <a:latin typeface="Adobe 黑体 Std R" panose="020B0400000000000000" pitchFamily="34" charset="-122"/>
-                <a:ea typeface="Adobe 黑体 Std R" panose="020B0400000000000000" pitchFamily="34" charset="-122"/>
-              </a:rPr>
-              <a:t>标准与规范</a:t>
-            </a:r>
-            <a:endParaRPr lang="en-US" altLang="zh-CN" sz="4000" dirty="0">
+              <a:rPr lang="zh-CN" altLang="en-US" sz="3200" dirty="0">
+                <a:latin typeface="Adobe 黑体 Std R" panose="020B0400000000000000" pitchFamily="34" charset="-122"/>
+                <a:ea typeface="Adobe 黑体 Std R" panose="020B0400000000000000" pitchFamily="34" charset="-122"/>
+              </a:rPr>
+              <a:t>拓展技术视野</a:t>
+            </a:r>
+            <a:endParaRPr lang="en-US" altLang="zh-CN" sz="3200" dirty="0">
               <a:latin typeface="Adobe 黑体 Std R" panose="020B0400000000000000" pitchFamily="34" charset="-122"/>
               <a:ea typeface="Adobe 黑体 Std R" panose="020B0400000000000000" pitchFamily="34" charset="-122"/>
             </a:endParaRPr>
           </a:p>
           <a:p>
             <a:r>
-              <a:rPr lang="zh-CN" altLang="en-US" sz="4000" dirty="0">
-                <a:latin typeface="Adobe 黑体 Std R" panose="020B0400000000000000" pitchFamily="34" charset="-122"/>
-                <a:ea typeface="Adobe 黑体 Std R" panose="020B0400000000000000" pitchFamily="34" charset="-122"/>
-              </a:rPr>
-              <a:t>软件制作流程</a:t>
-            </a:r>
-            <a:endParaRPr lang="en-US" altLang="zh-CN" sz="4000" dirty="0">
+              <a:rPr lang="zh-CN" altLang="en-US" sz="3200" dirty="0">
+                <a:latin typeface="Adobe 黑体 Std R" panose="020B0400000000000000" pitchFamily="34" charset="-122"/>
+                <a:ea typeface="Adobe 黑体 Std R" panose="020B0400000000000000" pitchFamily="34" charset="-122"/>
+              </a:rPr>
+              <a:t>增强实践技巧</a:t>
+            </a:r>
+            <a:endParaRPr lang="en-US" altLang="zh-CN" sz="3200" dirty="0">
+              <a:latin typeface="Adobe 黑体 Std R" panose="020B0400000000000000" pitchFamily="34" charset="-122"/>
+              <a:ea typeface="Adobe 黑体 Std R" panose="020B0400000000000000" pitchFamily="34" charset="-122"/>
+            </a:endParaRPr>
+          </a:p>
+          <a:p>
+            <a:r>
+              <a:rPr lang="zh-CN" altLang="en-US" sz="3200" dirty="0">
+                <a:latin typeface="Adobe 黑体 Std R" panose="020B0400000000000000" pitchFamily="34" charset="-122"/>
+                <a:ea typeface="Adobe 黑体 Std R" panose="020B0400000000000000" pitchFamily="34" charset="-122"/>
+              </a:rPr>
+              <a:t>强化探索能力</a:t>
+            </a:r>
+            <a:endParaRPr lang="en-US" altLang="zh-CN" sz="3200" dirty="0">
+              <a:latin typeface="Adobe 黑体 Std R" panose="020B0400000000000000" pitchFamily="34" charset="-122"/>
+              <a:ea typeface="Adobe 黑体 Std R" panose="020B0400000000000000" pitchFamily="34" charset="-122"/>
+            </a:endParaRPr>
+          </a:p>
+          <a:p>
+            <a:r>
+              <a:rPr lang="zh-CN" altLang="en-US" sz="3200" dirty="0">
+                <a:latin typeface="Adobe 黑体 Std R" panose="020B0400000000000000" pitchFamily="34" charset="-122"/>
+                <a:ea typeface="Adobe 黑体 Std R" panose="020B0400000000000000" pitchFamily="34" charset="-122"/>
+              </a:rPr>
+              <a:t>增强自发解决问题的能力</a:t>
+            </a:r>
+            <a:endParaRPr lang="en-US" altLang="zh-CN" sz="3200" dirty="0">
               <a:latin typeface="Adobe 黑体 Std R" panose="020B0400000000000000" pitchFamily="34" charset="-122"/>
               <a:ea typeface="Adobe 黑体 Std R" panose="020B0400000000000000" pitchFamily="34" charset="-122"/>
             </a:endParaRPr>
@@ -3544,7 +4946,7 @@
     </p:spTree>
     <p:extLst>
       <p:ext uri="{BB962C8B-B14F-4D97-AF65-F5344CB8AC3E}">
-        <p14:creationId xmlns:p14="http://schemas.microsoft.com/office/powerpoint/2010/main" val="409568764"/>
+        <p14:creationId xmlns:p14="http://schemas.microsoft.com/office/powerpoint/2010/main" val="3868117963"/>
       </p:ext>
     </p:extLst>
   </p:cSld>
@@ -3622,39 +5024,39 @@
           <a:lstStyle/>
           <a:p>
             <a:r>
-              <a:rPr lang="zh-CN" altLang="en-US" sz="4000" dirty="0">
+              <a:rPr lang="zh-CN" altLang="en-US" sz="3200" dirty="0">
                 <a:latin typeface="Adobe 黑体 Std R" panose="020B0400000000000000" pitchFamily="34" charset="-122"/>
                 <a:ea typeface="Adobe 黑体 Std R" panose="020B0400000000000000" pitchFamily="34" charset="-122"/>
               </a:rPr>
               <a:t>主动拓展阅读和调研</a:t>
             </a:r>
-            <a:endParaRPr lang="en-US" altLang="zh-CN" sz="4000" dirty="0">
+            <a:endParaRPr lang="en-US" altLang="zh-CN" sz="3200" dirty="0">
               <a:latin typeface="Adobe 黑体 Std R" panose="020B0400000000000000" pitchFamily="34" charset="-122"/>
               <a:ea typeface="Adobe 黑体 Std R" panose="020B0400000000000000" pitchFamily="34" charset="-122"/>
             </a:endParaRPr>
           </a:p>
           <a:p>
             <a:r>
-              <a:rPr lang="zh-CN" altLang="en-US" sz="4000" dirty="0">
+              <a:rPr lang="zh-CN" altLang="en-US" sz="3200" dirty="0">
                 <a:latin typeface="Adobe 黑体 Std R" panose="020B0400000000000000" pitchFamily="34" charset="-122"/>
                 <a:ea typeface="Adobe 黑体 Std R" panose="020B0400000000000000" pitchFamily="34" charset="-122"/>
               </a:rPr>
               <a:t>完成必要的实践</a:t>
             </a:r>
-            <a:endParaRPr lang="en-US" altLang="zh-CN" sz="4000" dirty="0">
+            <a:endParaRPr lang="en-US" altLang="zh-CN" sz="3200" dirty="0">
               <a:latin typeface="Adobe 黑体 Std R" panose="020B0400000000000000" pitchFamily="34" charset="-122"/>
               <a:ea typeface="Adobe 黑体 Std R" panose="020B0400000000000000" pitchFamily="34" charset="-122"/>
             </a:endParaRPr>
           </a:p>
           <a:p>
             <a:r>
-              <a:rPr lang="zh-CN" altLang="en-US" sz="4000" dirty="0">
+              <a:rPr lang="zh-CN" altLang="en-US" sz="3200" dirty="0">
                 <a:latin typeface="Adobe 黑体 Std R" panose="020B0400000000000000" pitchFamily="34" charset="-122"/>
                 <a:ea typeface="Adobe 黑体 Std R" panose="020B0400000000000000" pitchFamily="34" charset="-122"/>
               </a:rPr>
               <a:t>积极参与讨论</a:t>
             </a:r>
-            <a:endParaRPr lang="en-US" altLang="zh-CN" sz="4000" dirty="0">
+            <a:endParaRPr lang="en-US" altLang="zh-CN" sz="3200" dirty="0">
               <a:latin typeface="Adobe 黑体 Std R" panose="020B0400000000000000" pitchFamily="34" charset="-122"/>
               <a:ea typeface="Adobe 黑体 Std R" panose="020B0400000000000000" pitchFamily="34" charset="-122"/>
             </a:endParaRPr>
@@ -3743,7 +5145,7 @@
         <p:spPr>
           <a:xfrm>
             <a:off x="1300018" y="1811194"/>
-            <a:ext cx="7733145" cy="3402157"/>
+            <a:ext cx="8709221" cy="3402157"/>
           </a:xfrm>
         </p:spPr>
         <p:txBody>
@@ -3753,45 +5155,47 @@
           <a:lstStyle/>
           <a:p>
             <a:r>
-              <a:rPr lang="zh-CN" altLang="en-US" sz="4000" dirty="0">
-                <a:latin typeface="Adobe 黑体 Std R" panose="020B0400000000000000" pitchFamily="34" charset="-122"/>
-                <a:ea typeface="Adobe 黑体 Std R" panose="020B0400000000000000" pitchFamily="34" charset="-122"/>
-              </a:rPr>
-              <a:t>易于理解，识图能力</a:t>
-            </a:r>
-            <a:endParaRPr lang="en-US" altLang="zh-CN" sz="4000" dirty="0">
+              <a:rPr lang="zh-CN" altLang="en-US" sz="3200" dirty="0">
+                <a:latin typeface="Adobe 黑体 Std R" panose="020B0400000000000000" pitchFamily="34" charset="-122"/>
+                <a:ea typeface="Adobe 黑体 Std R" panose="020B0400000000000000" pitchFamily="34" charset="-122"/>
+              </a:rPr>
+              <a:t>大部分易于理解</a:t>
+            </a:r>
+            <a:endParaRPr lang="en-US" altLang="zh-CN" sz="3200" dirty="0">
               <a:latin typeface="Adobe 黑体 Std R" panose="020B0400000000000000" pitchFamily="34" charset="-122"/>
               <a:ea typeface="Adobe 黑体 Std R" panose="020B0400000000000000" pitchFamily="34" charset="-122"/>
             </a:endParaRPr>
           </a:p>
           <a:p>
             <a:r>
-              <a:rPr lang="zh-CN" altLang="en-US" sz="4000" dirty="0">
-                <a:latin typeface="Adobe 黑体 Std R" panose="020B0400000000000000" pitchFamily="34" charset="-122"/>
-                <a:ea typeface="Adobe 黑体 Std R" panose="020B0400000000000000" pitchFamily="34" charset="-122"/>
-              </a:rPr>
-              <a:t>内容庞杂</a:t>
-            </a:r>
-            <a:endParaRPr lang="en-US" altLang="zh-CN" sz="4000" dirty="0">
+              <a:rPr lang="zh-CN" altLang="en-US" sz="3200" dirty="0">
+                <a:latin typeface="Adobe 黑体 Std R" panose="020B0400000000000000" pitchFamily="34" charset="-122"/>
+                <a:ea typeface="Adobe 黑体 Std R" panose="020B0400000000000000" pitchFamily="34" charset="-122"/>
+              </a:rPr>
+              <a:t>部分内容需要通过实践探索才能掌握</a:t>
+            </a:r>
+            <a:endParaRPr lang="en-US" altLang="zh-CN" sz="3200" dirty="0">
               <a:latin typeface="Adobe 黑体 Std R" panose="020B0400000000000000" pitchFamily="34" charset="-122"/>
               <a:ea typeface="Adobe 黑体 Std R" panose="020B0400000000000000" pitchFamily="34" charset="-122"/>
             </a:endParaRPr>
           </a:p>
           <a:p>
             <a:r>
-              <a:rPr lang="zh-CN" altLang="en-US" sz="4000" dirty="0">
-                <a:latin typeface="Adobe 黑体 Std R" panose="020B0400000000000000" pitchFamily="34" charset="-122"/>
-                <a:ea typeface="Adobe 黑体 Std R" panose="020B0400000000000000" pitchFamily="34" charset="-122"/>
-              </a:rPr>
-              <a:t>动手</a:t>
-            </a:r>
-            <a:r>
-              <a:rPr lang="zh-CN" altLang="en-US" sz="4000">
-                <a:latin typeface="Adobe 黑体 Std R" panose="020B0400000000000000" pitchFamily="34" charset="-122"/>
-                <a:ea typeface="Adobe 黑体 Std R" panose="020B0400000000000000" pitchFamily="34" charset="-122"/>
-              </a:rPr>
-              <a:t>实践多</a:t>
-            </a:r>
+              <a:rPr lang="zh-CN" altLang="en-US" sz="3200" dirty="0">
+                <a:latin typeface="Adobe 黑体 Std R" panose="020B0400000000000000" pitchFamily="34" charset="-122"/>
+                <a:ea typeface="Adobe 黑体 Std R" panose="020B0400000000000000" pitchFamily="34" charset="-122"/>
+              </a:rPr>
+              <a:t>动手实践多</a:t>
+            </a:r>
+            <a:endParaRPr lang="en-US" altLang="zh-CN" sz="3200" dirty="0">
+              <a:latin typeface="Adobe 黑体 Std R" panose="020B0400000000000000" pitchFamily="34" charset="-122"/>
+              <a:ea typeface="Adobe 黑体 Std R" panose="020B0400000000000000" pitchFamily="34" charset="-122"/>
+            </a:endParaRPr>
+          </a:p>
+          <a:p>
+            <a:pPr marL="0" indent="0">
+              <a:buNone/>
+            </a:pPr>
             <a:endParaRPr lang="en-US" altLang="zh-CN" sz="4000" dirty="0">
               <a:latin typeface="Adobe 黑体 Std R" panose="020B0400000000000000" pitchFamily="34" charset="-122"/>
               <a:ea typeface="Adobe 黑体 Std R" panose="020B0400000000000000" pitchFamily="34" charset="-122"/>
@@ -3839,7 +5243,12 @@
             <p:ph type="title"/>
           </p:nvPr>
         </p:nvSpPr>
-        <p:spPr/>
+        <p:spPr>
+          <a:xfrm>
+            <a:off x="838200" y="365125"/>
+            <a:ext cx="10515600" cy="1247365"/>
+          </a:xfrm>
+        </p:spPr>
         <p:txBody>
           <a:bodyPr>
             <a:normAutofit/>
@@ -3848,25 +5257,18 @@
           <a:p>
             <a:pPr algn="ctr"/>
             <a:r>
-              <a:rPr lang="en-US" altLang="zh-CN" b="1" dirty="0">
-                <a:latin typeface="Adobe 黑体 Std R" panose="020B0400000000000000" pitchFamily="34" charset="-122"/>
-                <a:ea typeface="Adobe 黑体 Std R" panose="020B0400000000000000" pitchFamily="34" charset="-122"/>
-              </a:rPr>
-              <a:t>PPT</a:t>
-            </a:r>
-            <a:r>
               <a:rPr lang="zh-CN" altLang="en-US" b="1" dirty="0">
                 <a:latin typeface="Adobe 黑体 Std R" panose="020B0400000000000000" pitchFamily="34" charset="-122"/>
                 <a:ea typeface="Adobe 黑体 Std R" panose="020B0400000000000000" pitchFamily="34" charset="-122"/>
               </a:rPr>
-              <a:t>在哪里</a:t>
-            </a:r>
-          </a:p>
-        </p:txBody>
-      </p:sp>
-      <p:sp>
-        <p:nvSpPr>
-          <p:cNvPr id="3" name="内容占位符 2"/>
+              <a:t>如何提交作业</a:t>
+            </a:r>
+          </a:p>
+        </p:txBody>
+      </p:sp>
+      <p:sp>
+        <p:nvSpPr>
+          <p:cNvPr id="4" name="内容占位符 2"/>
           <p:cNvSpPr>
             <a:spLocks noGrp="1"/>
           </p:cNvSpPr>
@@ -3876,59 +5278,222 @@
         </p:nvSpPr>
         <p:spPr>
           <a:xfrm>
-            <a:off x="2029691" y="1690688"/>
-            <a:ext cx="8056418" cy="4351338"/>
-          </a:xfrm>
-        </p:spPr>
-        <p:txBody>
-          <a:bodyPr/>
-          <a:lstStyle/>
-          <a:p>
-            <a:pPr marL="0" indent="0">
-              <a:buNone/>
-            </a:pPr>
-            <a:r>
-              <a:rPr lang="en-US" altLang="zh-CN" dirty="0"/>
-              <a:t>https://github.com/zuoshenghuang/curriculum.git</a:t>
-            </a:r>
-            <a:endParaRPr lang="zh-CN" altLang="en-US" dirty="0"/>
-          </a:p>
-        </p:txBody>
-      </p:sp>
-      <p:pic>
-        <p:nvPicPr>
-          <p:cNvPr id="4" name="图片 3"/>
-          <p:cNvPicPr>
-            <a:picLocks noChangeAspect="1"/>
-          </p:cNvPicPr>
-          <p:nvPr/>
-        </p:nvPicPr>
-        <p:blipFill>
-          <a:blip r:embed="rId2">
-            <a:extLst>
-              <a:ext uri="{28A0092B-C50C-407E-A947-70E740481C1C}">
-                <a14:useLocalDpi xmlns:a14="http://schemas.microsoft.com/office/drawing/2010/main" val="0"/>
-              </a:ext>
-            </a:extLst>
-          </a:blip>
-          <a:stretch>
-            <a:fillRect/>
-          </a:stretch>
-        </p:blipFill>
-        <p:spPr>
-          <a:xfrm>
-            <a:off x="4762500" y="2797464"/>
-            <a:ext cx="2667000" cy="2667000"/>
-          </a:xfrm>
-          <a:prstGeom prst="rect">
-            <a:avLst/>
-          </a:prstGeom>
-        </p:spPr>
-      </p:pic>
+            <a:off x="1300017" y="1811194"/>
+            <a:ext cx="10417501" cy="3402157"/>
+          </a:xfrm>
+        </p:spPr>
+        <p:txBody>
+          <a:bodyPr>
+            <a:normAutofit/>
+          </a:bodyPr>
+          <a:lstStyle/>
+          <a:p>
+            <a:r>
+              <a:rPr lang="zh-CN" altLang="en-US" sz="3200" dirty="0">
+                <a:latin typeface="Adobe 黑体 Std R" panose="020B0400000000000000" pitchFamily="34" charset="-122"/>
+                <a:ea typeface="Adobe 黑体 Std R" panose="020B0400000000000000" pitchFamily="34" charset="-122"/>
+              </a:rPr>
+              <a:t>划分成项目小组</a:t>
+            </a:r>
+            <a:endParaRPr lang="en-US" altLang="zh-CN" sz="3200" dirty="0">
+              <a:latin typeface="Adobe 黑体 Std R" panose="020B0400000000000000" pitchFamily="34" charset="-122"/>
+              <a:ea typeface="Adobe 黑体 Std R" panose="020B0400000000000000" pitchFamily="34" charset="-122"/>
+            </a:endParaRPr>
+          </a:p>
+          <a:p>
+            <a:r>
+              <a:rPr lang="zh-CN" altLang="en-US" sz="3200" dirty="0">
+                <a:latin typeface="Adobe 黑体 Std R" panose="020B0400000000000000" pitchFamily="34" charset="-122"/>
+                <a:ea typeface="Adobe 黑体 Std R" panose="020B0400000000000000" pitchFamily="34" charset="-122"/>
+              </a:rPr>
+              <a:t>建立在线项目仓库</a:t>
+            </a:r>
+            <a:r>
+              <a:rPr lang="en-US" altLang="zh-CN" sz="3200" dirty="0">
+                <a:latin typeface="Adobe 黑体 Std R" panose="020B0400000000000000" pitchFamily="34" charset="-122"/>
+                <a:ea typeface="Adobe 黑体 Std R" panose="020B0400000000000000" pitchFamily="34" charset="-122"/>
+              </a:rPr>
+              <a:t>Git/SVN(</a:t>
+            </a:r>
+            <a:r>
+              <a:rPr lang="en-US" altLang="zh-CN" sz="3200" dirty="0" err="1">
+                <a:latin typeface="Adobe 黑体 Std R" panose="020B0400000000000000" pitchFamily="34" charset="-122"/>
+                <a:ea typeface="Adobe 黑体 Std R" panose="020B0400000000000000" pitchFamily="34" charset="-122"/>
+              </a:rPr>
+              <a:t>github,gitlab</a:t>
+            </a:r>
+            <a:r>
+              <a:rPr lang="zh-CN" altLang="en-US" sz="3200" dirty="0">
+                <a:latin typeface="Adobe 黑体 Std R" panose="020B0400000000000000" pitchFamily="34" charset="-122"/>
+                <a:ea typeface="Adobe 黑体 Std R" panose="020B0400000000000000" pitchFamily="34" charset="-122"/>
+              </a:rPr>
+              <a:t>等</a:t>
+            </a:r>
+            <a:r>
+              <a:rPr lang="en-US" altLang="zh-CN" sz="3200" dirty="0">
+                <a:latin typeface="Adobe 黑体 Std R" panose="020B0400000000000000" pitchFamily="34" charset="-122"/>
+                <a:ea typeface="Adobe 黑体 Std R" panose="020B0400000000000000" pitchFamily="34" charset="-122"/>
+              </a:rPr>
+              <a:t>)</a:t>
+            </a:r>
+          </a:p>
+          <a:p>
+            <a:r>
+              <a:rPr lang="zh-CN" altLang="en-US" sz="3200" dirty="0">
+                <a:latin typeface="Adobe 黑体 Std R" panose="020B0400000000000000" pitchFamily="34" charset="-122"/>
+                <a:ea typeface="Adobe 黑体 Std R" panose="020B0400000000000000" pitchFamily="34" charset="-122"/>
+              </a:rPr>
+              <a:t>分角色，每个成员都要有提交</a:t>
+            </a:r>
+            <a:endParaRPr lang="en-US" altLang="zh-CN" sz="3200" dirty="0">
+              <a:latin typeface="Adobe 黑体 Std R" panose="020B0400000000000000" pitchFamily="34" charset="-122"/>
+              <a:ea typeface="Adobe 黑体 Std R" panose="020B0400000000000000" pitchFamily="34" charset="-122"/>
+            </a:endParaRPr>
+          </a:p>
+          <a:p>
+            <a:r>
+              <a:rPr lang="zh-CN" altLang="en-US" sz="3200" dirty="0">
+                <a:latin typeface="Adobe 黑体 Std R" panose="020B0400000000000000" pitchFamily="34" charset="-122"/>
+                <a:ea typeface="Adobe 黑体 Std R" panose="020B0400000000000000" pitchFamily="34" charset="-122"/>
+              </a:rPr>
+              <a:t>提交到项目仓库</a:t>
+            </a:r>
+            <a:endParaRPr lang="en-US" altLang="zh-CN" sz="3200" dirty="0">
+              <a:latin typeface="Adobe 黑体 Std R" panose="020B0400000000000000" pitchFamily="34" charset="-122"/>
+              <a:ea typeface="Adobe 黑体 Std R" panose="020B0400000000000000" pitchFamily="34" charset="-122"/>
+            </a:endParaRPr>
+          </a:p>
+        </p:txBody>
+      </p:sp>
     </p:spTree>
     <p:extLst>
       <p:ext uri="{BB962C8B-B14F-4D97-AF65-F5344CB8AC3E}">
-        <p14:creationId xmlns:p14="http://schemas.microsoft.com/office/powerpoint/2010/main" val="430193381"/>
+        <p14:creationId xmlns:p14="http://schemas.microsoft.com/office/powerpoint/2010/main" val="1496621008"/>
+      </p:ext>
+    </p:extLst>
+  </p:cSld>
+  <p:clrMapOvr>
+    <a:masterClrMapping/>
+  </p:clrMapOvr>
+</p:sld>
+</file>
+
+<file path=ppt/slides/slide9.xml><?xml version="1.0" encoding="utf-8"?>
+<p:sld xmlns:a="http://schemas.openxmlformats.org/drawingml/2006/main" xmlns:r="http://schemas.openxmlformats.org/officeDocument/2006/relationships" xmlns:p="http://schemas.openxmlformats.org/presentationml/2006/main">
+  <p:cSld>
+    <p:spTree>
+      <p:nvGrpSpPr>
+        <p:cNvPr id="1" name=""/>
+        <p:cNvGrpSpPr/>
+        <p:nvPr/>
+      </p:nvGrpSpPr>
+      <p:grpSpPr>
+        <a:xfrm>
+          <a:off x="0" y="0"/>
+          <a:ext cx="0" cy="0"/>
+          <a:chOff x="0" y="0"/>
+          <a:chExt cx="0" cy="0"/>
+        </a:xfrm>
+      </p:grpSpPr>
+      <p:sp>
+        <p:nvSpPr>
+          <p:cNvPr id="2" name="标题 1"/>
+          <p:cNvSpPr>
+            <a:spLocks noGrp="1"/>
+          </p:cNvSpPr>
+          <p:nvPr>
+            <p:ph type="title"/>
+          </p:nvPr>
+        </p:nvSpPr>
+        <p:spPr>
+          <a:xfrm>
+            <a:off x="838200" y="365125"/>
+            <a:ext cx="10515600" cy="1247365"/>
+          </a:xfrm>
+        </p:spPr>
+        <p:txBody>
+          <a:bodyPr>
+            <a:normAutofit/>
+          </a:bodyPr>
+          <a:lstStyle/>
+          <a:p>
+            <a:pPr algn="ctr"/>
+            <a:r>
+              <a:rPr lang="zh-CN" altLang="en-US" b="1" dirty="0">
+                <a:latin typeface="Adobe 黑体 Std R" panose="020B0400000000000000" pitchFamily="34" charset="-122"/>
+                <a:ea typeface="Adobe 黑体 Std R" panose="020B0400000000000000" pitchFamily="34" charset="-122"/>
+              </a:rPr>
+              <a:t>项目难度怎么样？</a:t>
+            </a:r>
+          </a:p>
+        </p:txBody>
+      </p:sp>
+      <p:sp>
+        <p:nvSpPr>
+          <p:cNvPr id="4" name="内容占位符 2"/>
+          <p:cNvSpPr>
+            <a:spLocks noGrp="1"/>
+          </p:cNvSpPr>
+          <p:nvPr>
+            <p:ph idx="1"/>
+          </p:nvPr>
+        </p:nvSpPr>
+        <p:spPr>
+          <a:xfrm>
+            <a:off x="1300017" y="1811194"/>
+            <a:ext cx="10417501" cy="3402157"/>
+          </a:xfrm>
+        </p:spPr>
+        <p:txBody>
+          <a:bodyPr>
+            <a:normAutofit/>
+          </a:bodyPr>
+          <a:lstStyle/>
+          <a:p>
+            <a:r>
+              <a:rPr lang="zh-CN" altLang="en-US" sz="3200" dirty="0">
+                <a:latin typeface="Adobe 黑体 Std R" panose="020B0400000000000000" pitchFamily="34" charset="-122"/>
+                <a:ea typeface="Adobe 黑体 Std R" panose="020B0400000000000000" pitchFamily="34" charset="-122"/>
+              </a:rPr>
+              <a:t>工作量不会很大</a:t>
+            </a:r>
+            <a:endParaRPr lang="en-US" altLang="zh-CN" sz="3200" dirty="0">
+              <a:latin typeface="Adobe 黑体 Std R" panose="020B0400000000000000" pitchFamily="34" charset="-122"/>
+              <a:ea typeface="Adobe 黑体 Std R" panose="020B0400000000000000" pitchFamily="34" charset="-122"/>
+            </a:endParaRPr>
+          </a:p>
+          <a:p>
+            <a:r>
+              <a:rPr lang="zh-CN" altLang="en-US" sz="3200" dirty="0">
+                <a:latin typeface="Adobe 黑体 Std R" panose="020B0400000000000000" pitchFamily="34" charset="-122"/>
+                <a:ea typeface="Adobe 黑体 Std R" panose="020B0400000000000000" pitchFamily="34" charset="-122"/>
+              </a:rPr>
+              <a:t>可能完全陌生，需要调研（踩各种坑）</a:t>
+            </a:r>
+            <a:endParaRPr lang="en-US" altLang="zh-CN" sz="3200" dirty="0">
+              <a:latin typeface="Adobe 黑体 Std R" panose="020B0400000000000000" pitchFamily="34" charset="-122"/>
+              <a:ea typeface="Adobe 黑体 Std R" panose="020B0400000000000000" pitchFamily="34" charset="-122"/>
+            </a:endParaRPr>
+          </a:p>
+          <a:p>
+            <a:r>
+              <a:rPr lang="zh-CN" altLang="en-US" sz="3200" dirty="0">
+                <a:latin typeface="Adobe 黑体 Std R" panose="020B0400000000000000" pitchFamily="34" charset="-122"/>
+                <a:ea typeface="Adobe 黑体 Std R" panose="020B0400000000000000" pitchFamily="34" charset="-122"/>
+              </a:rPr>
+              <a:t>充分体现开发流程</a:t>
+            </a:r>
+            <a:endParaRPr lang="en-US" altLang="zh-CN" sz="3200" dirty="0">
+              <a:latin typeface="Adobe 黑体 Std R" panose="020B0400000000000000" pitchFamily="34" charset="-122"/>
+              <a:ea typeface="Adobe 黑体 Std R" panose="020B0400000000000000" pitchFamily="34" charset="-122"/>
+            </a:endParaRPr>
+          </a:p>
+        </p:txBody>
+      </p:sp>
+    </p:spTree>
+    <p:extLst>
+      <p:ext uri="{BB962C8B-B14F-4D97-AF65-F5344CB8AC3E}">
+        <p14:creationId xmlns:p14="http://schemas.microsoft.com/office/powerpoint/2010/main" val="3713734739"/>
       </p:ext>
     </p:extLst>
   </p:cSld>
@@ -4197,47 +5762,4 @@
     </a:ext>
   </a:extLst>
 </a:theme>
-</file>
-
-<file path=ppt/theme/themeOverride1.xml><?xml version="1.0" encoding="utf-8"?>
-<a:themeOverride xmlns:a="http://schemas.openxmlformats.org/drawingml/2006/main">
-  <a:clrScheme name="Office">
-    <a:dk1>
-      <a:sysClr val="windowText" lastClr="000000"/>
-    </a:dk1>
-    <a:lt1>
-      <a:sysClr val="window" lastClr="FFFFFF"/>
-    </a:lt1>
-    <a:dk2>
-      <a:srgbClr val="44546A"/>
-    </a:dk2>
-    <a:lt2>
-      <a:srgbClr val="E7E6E6"/>
-    </a:lt2>
-    <a:accent1>
-      <a:srgbClr val="5B9BD5"/>
-    </a:accent1>
-    <a:accent2>
-      <a:srgbClr val="ED7D31"/>
-    </a:accent2>
-    <a:accent3>
-      <a:srgbClr val="A5A5A5"/>
-    </a:accent3>
-    <a:accent4>
-      <a:srgbClr val="FFC000"/>
-    </a:accent4>
-    <a:accent5>
-      <a:srgbClr val="4472C4"/>
-    </a:accent5>
-    <a:accent6>
-      <a:srgbClr val="70AD47"/>
-    </a:accent6>
-    <a:hlink>
-      <a:srgbClr val="0563C1"/>
-    </a:hlink>
-    <a:folHlink>
-      <a:srgbClr val="954F72"/>
-    </a:folHlink>
-  </a:clrScheme>
-</a:themeOverride>
 </file>